--- a/ppt/IoT08-Wire.pptx
+++ b/ppt/IoT08-Wire.pptx
@@ -5,14 +5,25 @@
     <p:sldMasterId id="2147483653" r:id="rId1"/>
   </p:sldMasterIdLst>
   <p:notesMasterIdLst>
-    <p:notesMasterId r:id="rId4"/>
+    <p:notesMasterId r:id="rId15"/>
   </p:notesMasterIdLst>
   <p:handoutMasterIdLst>
-    <p:handoutMasterId r:id="rId5"/>
+    <p:handoutMasterId r:id="rId16"/>
   </p:handoutMasterIdLst>
   <p:sldIdLst>
     <p:sldId id="264" r:id="rId2"/>
-    <p:sldId id="265" r:id="rId3"/>
+    <p:sldId id="270" r:id="rId3"/>
+    <p:sldId id="266" r:id="rId4"/>
+    <p:sldId id="267" r:id="rId5"/>
+    <p:sldId id="268" r:id="rId6"/>
+    <p:sldId id="269" r:id="rId7"/>
+    <p:sldId id="271" r:id="rId8"/>
+    <p:sldId id="272" r:id="rId9"/>
+    <p:sldId id="273" r:id="rId10"/>
+    <p:sldId id="276" r:id="rId11"/>
+    <p:sldId id="274" r:id="rId12"/>
+    <p:sldId id="275" r:id="rId13"/>
+    <p:sldId id="265" r:id="rId14"/>
   </p:sldIdLst>
   <p:sldSz cx="9144000" cy="6858000" type="screen4x3"/>
   <p:notesSz cx="6648450" cy="9782175"/>
@@ -881,6 +892,131 @@
     </a:lvl9pPr>
   </p:notesStyle>
 </p:notesMaster>
+</file>
+
+<file path=ppt/notesSlides/notesSlide1.xml><?xml version="1.0" encoding="utf-8"?>
+<p:notes xmlns:a="http://schemas.openxmlformats.org/drawingml/2006/main" xmlns:r="http://schemas.openxmlformats.org/officeDocument/2006/relationships" xmlns:p="http://schemas.openxmlformats.org/presentationml/2006/main">
+  <p:cSld>
+    <p:spTree>
+      <p:nvGrpSpPr>
+        <p:cNvPr id="1" name=""/>
+        <p:cNvGrpSpPr/>
+        <p:nvPr/>
+      </p:nvGrpSpPr>
+      <p:grpSpPr>
+        <a:xfrm>
+          <a:off x="0" y="0"/>
+          <a:ext cx="0" cy="0"/>
+          <a:chOff x="0" y="0"/>
+          <a:chExt cx="0" cy="0"/>
+        </a:xfrm>
+      </p:grpSpPr>
+      <p:sp>
+        <p:nvSpPr>
+          <p:cNvPr id="2" name="Espace réservé de l'image des diapositives 1"/>
+          <p:cNvSpPr>
+            <a:spLocks noGrp="1" noRot="1" noChangeAspect="1"/>
+          </p:cNvSpPr>
+          <p:nvPr>
+            <p:ph type="sldImg"/>
+          </p:nvPr>
+        </p:nvSpPr>
+        <p:spPr>
+          <a:xfrm>
+            <a:off x="877888" y="733425"/>
+            <a:ext cx="4892675" cy="3670300"/>
+          </a:xfrm>
+        </p:spPr>
+      </p:sp>
+      <p:sp>
+        <p:nvSpPr>
+          <p:cNvPr id="3" name="Espace réservé des commentaires 2"/>
+          <p:cNvSpPr>
+            <a:spLocks noGrp="1"/>
+          </p:cNvSpPr>
+          <p:nvPr>
+            <p:ph type="body" idx="1"/>
+          </p:nvPr>
+        </p:nvSpPr>
+        <p:spPr/>
+        <p:txBody>
+          <a:bodyPr/>
+          <a:lstStyle/>
+          <a:p>
+            <a:endParaRPr lang="fr-FR" dirty="0"/>
+          </a:p>
+        </p:txBody>
+      </p:sp>
+      <p:sp>
+        <p:nvSpPr>
+          <p:cNvPr id="4" name="Espace réservé du pied de page 3"/>
+          <p:cNvSpPr>
+            <a:spLocks noGrp="1"/>
+          </p:cNvSpPr>
+          <p:nvPr>
+            <p:ph type="ftr" sz="quarter" idx="10"/>
+          </p:nvPr>
+        </p:nvSpPr>
+        <p:spPr/>
+        <p:txBody>
+          <a:bodyPr/>
+          <a:lstStyle/>
+          <a:p>
+            <a:pPr>
+              <a:defRPr/>
+            </a:pPr>
+            <a:r>
+              <a:rPr lang="fr-FR" smtClean="0"/>
+              <a:t>© HANDSHAKE - Philippe MASINA</a:t>
+            </a:r>
+            <a:endParaRPr lang="fr-FR"/>
+          </a:p>
+        </p:txBody>
+      </p:sp>
+      <p:sp>
+        <p:nvSpPr>
+          <p:cNvPr id="5" name="Espace réservé du numéro de diapositive 4"/>
+          <p:cNvSpPr>
+            <a:spLocks noGrp="1"/>
+          </p:cNvSpPr>
+          <p:nvPr>
+            <p:ph type="sldNum" sz="quarter" idx="11"/>
+          </p:nvPr>
+        </p:nvSpPr>
+        <p:spPr/>
+        <p:txBody>
+          <a:bodyPr/>
+          <a:lstStyle/>
+          <a:p>
+            <a:pPr>
+              <a:defRPr/>
+            </a:pPr>
+            <a:r>
+              <a:rPr lang="fr-FR" smtClean="0"/>
+              <a:t>I-</a:t>
+            </a:r>
+            <a:fld id="{88B410AF-14E7-4D87-8C8E-6E377E0C2388}" type="slidenum">
+              <a:rPr lang="fr-FR" smtClean="0"/>
+              <a:pPr>
+                <a:defRPr/>
+              </a:pPr>
+              <a:t>11</a:t>
+            </a:fld>
+            <a:endParaRPr lang="fr-FR"/>
+          </a:p>
+        </p:txBody>
+      </p:sp>
+    </p:spTree>
+    <p:extLst>
+      <p:ext uri="{BB962C8B-B14F-4D97-AF65-F5344CB8AC3E}">
+        <p14:creationId xmlns:p14="http://schemas.microsoft.com/office/powerpoint/2010/main" val="874704093"/>
+      </p:ext>
+    </p:extLst>
+  </p:cSld>
+  <p:clrMapOvr>
+    <a:masterClrMapping/>
+  </p:clrMapOvr>
+</p:notes>
 </file>
 
 <file path=ppt/slideLayouts/slideLayout1.xml><?xml version="1.0" encoding="utf-8"?>
@@ -3707,13 +3843,8 @@
             <a:pPr eaLnBrk="1" hangingPunct="1"/>
             <a:r>
               <a:rPr lang="fr-FR" altLang="fr-FR" dirty="0" smtClean="0"/>
-              <a:t>Chapitre </a:t>
-            </a:r>
-            <a:r>
-              <a:rPr lang="fr-FR" altLang="fr-FR" dirty="0" smtClean="0"/>
-              <a:t>8</a:t>
-            </a:r>
-            <a:endParaRPr lang="fr-FR" altLang="fr-FR" dirty="0" smtClean="0"/>
+              <a:t>Chapitre 8</a:t>
+            </a:r>
           </a:p>
           <a:p>
             <a:pPr eaLnBrk="1" hangingPunct="1"/>
@@ -3721,7 +3852,6 @@
               <a:rPr lang="fr-FR" altLang="fr-FR" dirty="0" smtClean="0"/>
               <a:t>Les communications filaires</a:t>
             </a:r>
-            <a:endParaRPr lang="fr-FR" altLang="fr-FR" dirty="0" smtClean="0"/>
           </a:p>
         </p:txBody>
       </p:sp>
@@ -3740,7 +3870,7 @@
 </p:sld>
 </file>
 
-<file path=ppt/slides/slide2.xml><?xml version="1.0" encoding="utf-8"?>
+<file path=ppt/slides/slide10.xml><?xml version="1.0" encoding="utf-8"?>
 <p:sld xmlns:a="http://schemas.openxmlformats.org/drawingml/2006/main" xmlns:r="http://schemas.openxmlformats.org/officeDocument/2006/relationships" xmlns:p="http://schemas.openxmlformats.org/presentationml/2006/main">
   <p:cSld>
     <p:spTree>
@@ -3772,7 +3902,11 @@
           <a:bodyPr/>
           <a:lstStyle/>
           <a:p>
-            <a:endParaRPr lang="fr-FR"/>
+            <a:r>
+              <a:rPr lang="fr-FR" dirty="0" smtClean="0"/>
+              <a:t>TIO</a:t>
+            </a:r>
+            <a:endParaRPr lang="fr-FR" dirty="0"/>
           </a:p>
         </p:txBody>
       </p:sp>
@@ -3792,59 +3926,568 @@
           <a:lstStyle/>
           <a:p>
             <a:r>
-              <a:rPr lang="fr-FR" dirty="0" smtClean="0"/>
-              <a:t>UART </a:t>
-            </a:r>
+              <a:rPr lang="fr-FR" dirty="0" err="1"/>
+              <a:t>tio</a:t>
+            </a:r>
+            <a:r>
+              <a:rPr lang="fr-FR" dirty="0"/>
+              <a:t> est un petit client </a:t>
+            </a:r>
+            <a:r>
+              <a:rPr lang="fr-FR" dirty="0" smtClean="0"/>
+              <a:t>série</a:t>
+            </a:r>
+          </a:p>
+          <a:p>
+            <a:pPr lvl="1"/>
+            <a:r>
+              <a:rPr lang="fr-FR" dirty="0" smtClean="0"/>
+              <a:t>permet de tester les liaisons</a:t>
+            </a:r>
+            <a:endParaRPr lang="fr-FR" dirty="0"/>
+          </a:p>
+          <a:p>
+            <a:pPr lvl="1"/>
+            <a:r>
+              <a:rPr lang="en-US" dirty="0" err="1"/>
+              <a:t>sudo</a:t>
+            </a:r>
+            <a:r>
+              <a:rPr lang="en-US" dirty="0"/>
+              <a:t> apt-get install </a:t>
+            </a:r>
+            <a:r>
+              <a:rPr lang="en-US" dirty="0" err="1" smtClean="0"/>
+              <a:t>tio</a:t>
+            </a:r>
+            <a:endParaRPr lang="en-US" dirty="0" smtClean="0"/>
+          </a:p>
+          <a:p>
+            <a:r>
+              <a:rPr lang="en-US" dirty="0" err="1" smtClean="0"/>
+              <a:t>Exemple</a:t>
+            </a:r>
+            <a:endParaRPr lang="en-US" dirty="0" smtClean="0"/>
+          </a:p>
+          <a:p>
+            <a:pPr lvl="1"/>
+            <a:r>
+              <a:rPr lang="en-US" dirty="0" err="1" smtClean="0"/>
+              <a:t>tio</a:t>
+            </a:r>
+            <a:r>
+              <a:rPr lang="en-US" dirty="0" smtClean="0"/>
+              <a:t> </a:t>
+            </a:r>
+            <a:r>
+              <a:rPr lang="en-US" smtClean="0"/>
+              <a:t>/dev/ttyUSB0 -d 9600</a:t>
+            </a:r>
+            <a:endParaRPr lang="fr-FR" dirty="0"/>
+          </a:p>
+        </p:txBody>
+      </p:sp>
+    </p:spTree>
+    <p:extLst>
+      <p:ext uri="{BB962C8B-B14F-4D97-AF65-F5344CB8AC3E}">
+        <p14:creationId xmlns:p14="http://schemas.microsoft.com/office/powerpoint/2010/main" val="601233927"/>
+      </p:ext>
+    </p:extLst>
+  </p:cSld>
+  <p:clrMapOvr>
+    <a:masterClrMapping/>
+  </p:clrMapOvr>
+</p:sld>
+</file>
+
+<file path=ppt/slides/slide11.xml><?xml version="1.0" encoding="utf-8"?>
+<p:sld xmlns:a="http://schemas.openxmlformats.org/drawingml/2006/main" xmlns:r="http://schemas.openxmlformats.org/officeDocument/2006/relationships" xmlns:p="http://schemas.openxmlformats.org/presentationml/2006/main">
+  <p:cSld>
+    <p:spTree>
+      <p:nvGrpSpPr>
+        <p:cNvPr id="1" name=""/>
+        <p:cNvGrpSpPr/>
+        <p:nvPr/>
+      </p:nvGrpSpPr>
+      <p:grpSpPr>
+        <a:xfrm>
+          <a:off x="0" y="0"/>
+          <a:ext cx="0" cy="0"/>
+          <a:chOff x="0" y="0"/>
+          <a:chExt cx="0" cy="0"/>
+        </a:xfrm>
+      </p:grpSpPr>
+      <p:sp>
+        <p:nvSpPr>
+          <p:cNvPr id="2" name="Titre 1"/>
+          <p:cNvSpPr>
+            <a:spLocks noGrp="1"/>
+          </p:cNvSpPr>
+          <p:nvPr>
+            <p:ph type="title"/>
+          </p:nvPr>
+        </p:nvSpPr>
+        <p:spPr/>
+        <p:txBody>
+          <a:bodyPr/>
+          <a:lstStyle/>
+          <a:p>
+            <a:r>
+              <a:rPr lang="fr-FR" dirty="0" smtClean="0"/>
+              <a:t>Exemple Python - USB</a:t>
+            </a:r>
+            <a:endParaRPr lang="fr-FR" dirty="0"/>
+          </a:p>
+        </p:txBody>
+      </p:sp>
+      <p:sp>
+        <p:nvSpPr>
+          <p:cNvPr id="3" name="Espace réservé du contenu 2"/>
+          <p:cNvSpPr>
+            <a:spLocks noGrp="1"/>
+          </p:cNvSpPr>
+          <p:nvPr>
+            <p:ph idx="1"/>
+          </p:nvPr>
+        </p:nvSpPr>
+        <p:spPr/>
+        <p:txBody>
+          <a:bodyPr/>
+          <a:lstStyle/>
+          <a:p>
+            <a:r>
+              <a:rPr lang="fr-FR" sz="2400" dirty="0"/>
+              <a:t>import serial</a:t>
+            </a:r>
+          </a:p>
+          <a:p>
+            <a:r>
+              <a:rPr lang="fr-FR" sz="2400" dirty="0" err="1" smtClean="0"/>
+              <a:t>sock</a:t>
+            </a:r>
+            <a:r>
+              <a:rPr lang="fr-FR" sz="2400" dirty="0" smtClean="0"/>
+              <a:t> </a:t>
+            </a:r>
+            <a:r>
+              <a:rPr lang="fr-FR" sz="2400" dirty="0"/>
+              <a:t>= </a:t>
+            </a:r>
+            <a:r>
+              <a:rPr lang="fr-FR" sz="2400" dirty="0" err="1" smtClean="0"/>
+              <a:t>serial.Serial</a:t>
+            </a:r>
+            <a:r>
+              <a:rPr lang="fr-FR" sz="2400" dirty="0" smtClean="0"/>
+              <a:t>("/</a:t>
+            </a:r>
+            <a:r>
+              <a:rPr lang="fr-FR" sz="2400" dirty="0" err="1" smtClean="0"/>
+              <a:t>dev</a:t>
+            </a:r>
+            <a:r>
+              <a:rPr lang="fr-FR" sz="2400" dirty="0" smtClean="0"/>
+              <a:t>/ttyUSB0")</a:t>
+            </a:r>
+            <a:endParaRPr lang="fr-FR" sz="2400" dirty="0"/>
+          </a:p>
+          <a:p>
+            <a:pPr lvl="1"/>
+            <a:r>
+              <a:rPr lang="fr-FR" sz="2000" dirty="0" smtClean="0"/>
+              <a:t>Ouvre la connexion série</a:t>
+            </a:r>
+          </a:p>
+          <a:p>
+            <a:r>
+              <a:rPr lang="fr-FR" sz="2400" dirty="0" smtClean="0"/>
+              <a:t>s = </a:t>
+            </a:r>
+            <a:r>
+              <a:rPr lang="fr-FR" sz="2400" dirty="0" err="1" smtClean="0"/>
+              <a:t>sock.read</a:t>
+            </a:r>
+            <a:r>
+              <a:rPr lang="fr-FR" sz="2400" dirty="0" smtClean="0"/>
+              <a:t>()</a:t>
+            </a:r>
+          </a:p>
+          <a:p>
+            <a:pPr lvl="1"/>
+            <a:r>
+              <a:rPr lang="fr-FR" sz="2000" dirty="0" smtClean="0"/>
+              <a:t>Lit un caractère</a:t>
+            </a:r>
+          </a:p>
+          <a:p>
+            <a:r>
+              <a:rPr lang="fr-FR" sz="2400" dirty="0" smtClean="0"/>
+              <a:t>s </a:t>
+            </a:r>
+            <a:r>
+              <a:rPr lang="fr-FR" sz="2400" dirty="0"/>
+              <a:t>= </a:t>
+            </a:r>
+            <a:r>
+              <a:rPr lang="fr-FR" sz="2400" dirty="0" err="1"/>
+              <a:t>sock.readline</a:t>
+            </a:r>
+            <a:r>
+              <a:rPr lang="fr-FR" sz="2400" dirty="0" smtClean="0"/>
+              <a:t>()</a:t>
+            </a:r>
+          </a:p>
+          <a:p>
+            <a:pPr lvl="1"/>
+            <a:r>
+              <a:rPr lang="fr-FR" sz="2000" dirty="0" smtClean="0"/>
+              <a:t>Lit une ligne</a:t>
+            </a:r>
+            <a:endParaRPr lang="fr-FR" sz="2000" dirty="0"/>
+          </a:p>
+          <a:p>
+            <a:r>
+              <a:rPr lang="fr-FR" sz="2400" dirty="0" err="1" smtClean="0"/>
+              <a:t>print</a:t>
+            </a:r>
+            <a:r>
+              <a:rPr lang="fr-FR" sz="2400" dirty="0" smtClean="0"/>
+              <a:t>(</a:t>
+            </a:r>
+            <a:r>
+              <a:rPr lang="fr-FR" sz="2400" dirty="0" err="1" smtClean="0"/>
+              <a:t>s.decode</a:t>
+            </a:r>
+            <a:r>
+              <a:rPr lang="fr-FR" sz="2400" dirty="0" smtClean="0"/>
+              <a:t>())</a:t>
+            </a:r>
+          </a:p>
+          <a:p>
+            <a:pPr lvl="1"/>
+            <a:r>
+              <a:rPr lang="fr-FR" sz="2000" dirty="0" smtClean="0"/>
+              <a:t>Transforme les octets en caractères</a:t>
+            </a:r>
+          </a:p>
+          <a:p>
+            <a:r>
+              <a:rPr lang="fr-FR" sz="2400" dirty="0" err="1" smtClean="0"/>
+              <a:t>sock.write</a:t>
+            </a:r>
+            <a:r>
+              <a:rPr lang="fr-FR" sz="2400" dirty="0" smtClean="0"/>
+              <a:t>("Hello\n</a:t>
+            </a:r>
+            <a:r>
+              <a:rPr lang="fr-FR" sz="2400" dirty="0"/>
+              <a:t>").encode</a:t>
+            </a:r>
+            <a:r>
+              <a:rPr lang="fr-FR" sz="2400" dirty="0" smtClean="0"/>
+              <a:t>())</a:t>
+            </a:r>
+          </a:p>
+          <a:p>
+            <a:pPr lvl="1"/>
+            <a:r>
+              <a:rPr lang="fr-FR" sz="2000" dirty="0" smtClean="0"/>
+              <a:t>Ecrit une chaine transformées en octets</a:t>
+            </a:r>
+            <a:endParaRPr lang="fr-FR" sz="2000" dirty="0"/>
+          </a:p>
+          <a:p>
+            <a:r>
+              <a:rPr lang="fr-FR" sz="2400" dirty="0" err="1"/>
+              <a:t>sock.close</a:t>
+            </a:r>
+            <a:r>
+              <a:rPr lang="fr-FR" sz="2400" dirty="0" smtClean="0"/>
+              <a:t>()</a:t>
+            </a:r>
+          </a:p>
+          <a:p>
+            <a:pPr lvl="1"/>
+            <a:r>
+              <a:rPr lang="fr-FR" sz="2000" dirty="0" smtClean="0"/>
+              <a:t>Ferme la liaison</a:t>
+            </a:r>
+          </a:p>
+          <a:p>
+            <a:endParaRPr lang="fr-FR" sz="2400" dirty="0"/>
+          </a:p>
+        </p:txBody>
+      </p:sp>
+    </p:spTree>
+    <p:extLst>
+      <p:ext uri="{BB962C8B-B14F-4D97-AF65-F5344CB8AC3E}">
+        <p14:creationId xmlns:p14="http://schemas.microsoft.com/office/powerpoint/2010/main" val="2563558938"/>
+      </p:ext>
+    </p:extLst>
+  </p:cSld>
+  <p:clrMapOvr>
+    <a:masterClrMapping/>
+  </p:clrMapOvr>
+</p:sld>
+</file>
+
+<file path=ppt/slides/slide12.xml><?xml version="1.0" encoding="utf-8"?>
+<p:sld xmlns:a="http://schemas.openxmlformats.org/drawingml/2006/main" xmlns:r="http://schemas.openxmlformats.org/officeDocument/2006/relationships" xmlns:p="http://schemas.openxmlformats.org/presentationml/2006/main">
+  <p:cSld>
+    <p:spTree>
+      <p:nvGrpSpPr>
+        <p:cNvPr id="1" name=""/>
+        <p:cNvGrpSpPr/>
+        <p:nvPr/>
+      </p:nvGrpSpPr>
+      <p:grpSpPr>
+        <a:xfrm>
+          <a:off x="0" y="0"/>
+          <a:ext cx="0" cy="0"/>
+          <a:chOff x="0" y="0"/>
+          <a:chExt cx="0" cy="0"/>
+        </a:xfrm>
+      </p:grpSpPr>
+      <p:sp>
+        <p:nvSpPr>
+          <p:cNvPr id="2" name="Titre 1"/>
+          <p:cNvSpPr>
+            <a:spLocks noGrp="1"/>
+          </p:cNvSpPr>
+          <p:nvPr>
+            <p:ph type="title"/>
+          </p:nvPr>
+        </p:nvSpPr>
+        <p:spPr/>
+        <p:txBody>
+          <a:bodyPr/>
+          <a:lstStyle/>
+          <a:p>
             <a:r>
               <a:rPr lang="fr-FR" dirty="0" err="1" smtClean="0"/>
-              <a:t>Rx</a:t>
-            </a:r>
-            <a:r>
-              <a:rPr lang="fr-FR" dirty="0" smtClean="0"/>
-              <a:t> </a:t>
+              <a:t>Raspberry</a:t>
+            </a:r>
+            <a:r>
+              <a:rPr lang="fr-FR" dirty="0" smtClean="0"/>
+              <a:t> RS232</a:t>
+            </a:r>
+            <a:endParaRPr lang="fr-FR" dirty="0"/>
+          </a:p>
+        </p:txBody>
+      </p:sp>
+      <p:sp>
+        <p:nvSpPr>
+          <p:cNvPr id="3" name="Espace réservé du contenu 2"/>
+          <p:cNvSpPr>
+            <a:spLocks noGrp="1"/>
+          </p:cNvSpPr>
+          <p:nvPr>
+            <p:ph idx="1"/>
+          </p:nvPr>
+        </p:nvSpPr>
+        <p:spPr/>
+        <p:txBody>
+          <a:bodyPr/>
+          <a:lstStyle/>
+          <a:p>
+            <a:r>
+              <a:rPr lang="fr-FR" dirty="0" smtClean="0"/>
+              <a:t>L'adjonction d'un câble USB - RS232 permet de dialoguer en RS232</a:t>
+            </a:r>
+          </a:p>
+          <a:p>
+            <a:r>
+              <a:rPr lang="fr-FR" dirty="0" smtClean="0"/>
+              <a:t>Il est possible de fixer les nom des </a:t>
             </a:r>
             <a:r>
               <a:rPr lang="fr-FR" dirty="0" err="1" smtClean="0"/>
-              <a:t>Tx</a:t>
+              <a:t>devices</a:t>
+            </a:r>
+            <a:r>
+              <a:rPr lang="fr-FR" dirty="0" smtClean="0"/>
+              <a:t> USB dans ce fichier</a:t>
+            </a:r>
+            <a:endParaRPr lang="fr-FR" dirty="0"/>
+          </a:p>
+        </p:txBody>
+      </p:sp>
+      <p:pic>
+        <p:nvPicPr>
+          <p:cNvPr id="4" name="Image 3"/>
+          <p:cNvPicPr/>
+          <p:nvPr/>
+        </p:nvPicPr>
+        <p:blipFill>
+          <a:blip r:embed="rId2"/>
+          <a:stretch>
+            <a:fillRect/>
+          </a:stretch>
+        </p:blipFill>
+        <p:spPr>
+          <a:xfrm>
+            <a:off x="5566362" y="3068960"/>
+            <a:ext cx="3096344" cy="2563825"/>
+          </a:xfrm>
+          <a:prstGeom prst="rect">
+            <a:avLst/>
+          </a:prstGeom>
+        </p:spPr>
+      </p:pic>
+      <p:pic>
+        <p:nvPicPr>
+          <p:cNvPr id="5" name="Image 4"/>
+          <p:cNvPicPr/>
+          <p:nvPr/>
+        </p:nvPicPr>
+        <p:blipFill>
+          <a:blip r:embed="rId3"/>
+          <a:stretch>
+            <a:fillRect/>
+          </a:stretch>
+        </p:blipFill>
+        <p:spPr>
+          <a:xfrm>
+            <a:off x="0" y="3362160"/>
+            <a:ext cx="5283506" cy="3520676"/>
+          </a:xfrm>
+          <a:prstGeom prst="rect">
+            <a:avLst/>
+          </a:prstGeom>
+        </p:spPr>
+      </p:pic>
+    </p:spTree>
+    <p:extLst>
+      <p:ext uri="{BB962C8B-B14F-4D97-AF65-F5344CB8AC3E}">
+        <p14:creationId xmlns:p14="http://schemas.microsoft.com/office/powerpoint/2010/main" val="1236451097"/>
+      </p:ext>
+    </p:extLst>
+  </p:cSld>
+  <p:clrMapOvr>
+    <a:masterClrMapping/>
+  </p:clrMapOvr>
+</p:sld>
+</file>
+
+<file path=ppt/slides/slide13.xml><?xml version="1.0" encoding="utf-8"?>
+<p:sld xmlns:a="http://schemas.openxmlformats.org/drawingml/2006/main" xmlns:r="http://schemas.openxmlformats.org/officeDocument/2006/relationships" xmlns:p="http://schemas.openxmlformats.org/presentationml/2006/main">
+  <p:cSld>
+    <p:spTree>
+      <p:nvGrpSpPr>
+        <p:cNvPr id="1" name=""/>
+        <p:cNvGrpSpPr/>
+        <p:nvPr/>
+      </p:nvGrpSpPr>
+      <p:grpSpPr>
+        <a:xfrm>
+          <a:off x="0" y="0"/>
+          <a:ext cx="0" cy="0"/>
+          <a:chOff x="0" y="0"/>
+          <a:chExt cx="0" cy="0"/>
+        </a:xfrm>
+      </p:grpSpPr>
+      <p:sp>
+        <p:nvSpPr>
+          <p:cNvPr id="2" name="Titre 1"/>
+          <p:cNvSpPr>
+            <a:spLocks noGrp="1"/>
+          </p:cNvSpPr>
+          <p:nvPr>
+            <p:ph type="title"/>
+          </p:nvPr>
+        </p:nvSpPr>
+        <p:spPr/>
+        <p:txBody>
+          <a:bodyPr/>
+          <a:lstStyle/>
+          <a:p>
+            <a:r>
+              <a:rPr lang="fr-FR" dirty="0" smtClean="0"/>
+              <a:t>Ethernet</a:t>
+            </a:r>
+            <a:endParaRPr lang="fr-FR" dirty="0"/>
+          </a:p>
+        </p:txBody>
+      </p:sp>
+      <p:sp>
+        <p:nvSpPr>
+          <p:cNvPr id="3" name="Espace réservé du contenu 2"/>
+          <p:cNvSpPr>
+            <a:spLocks noGrp="1"/>
+          </p:cNvSpPr>
+          <p:nvPr>
+            <p:ph idx="1"/>
+          </p:nvPr>
+        </p:nvSpPr>
+        <p:spPr/>
+        <p:txBody>
+          <a:bodyPr/>
+          <a:lstStyle/>
+          <a:p>
+            <a:r>
+              <a:rPr lang="fr-FR" dirty="0" smtClean="0"/>
+              <a:t>La liaison Ethernet ne fonctionne que sous </a:t>
+            </a:r>
+            <a:r>
+              <a:rPr lang="fr-FR" dirty="0" err="1" smtClean="0"/>
+              <a:t>Raspberry</a:t>
+            </a:r>
+            <a:r>
+              <a:rPr lang="fr-FR" dirty="0" smtClean="0"/>
+              <a:t> Pi &gt;= 1</a:t>
+            </a:r>
+          </a:p>
+          <a:p>
+            <a:r>
+              <a:rPr lang="fr-FR" dirty="0" smtClean="0"/>
+              <a:t>Nécessite une infrastructure IP</a:t>
+            </a:r>
+          </a:p>
+          <a:p>
+            <a:pPr lvl="1"/>
+            <a:r>
+              <a:rPr lang="fr-FR" dirty="0" smtClean="0"/>
+              <a:t>Routeur</a:t>
+            </a:r>
+          </a:p>
+          <a:p>
+            <a:r>
+              <a:rPr lang="fr-FR" dirty="0" smtClean="0"/>
+              <a:t>Communication possible alors via </a:t>
+            </a:r>
+            <a:r>
+              <a:rPr lang="fr-FR" dirty="0" err="1" smtClean="0"/>
+              <a:t>Flask</a:t>
             </a:r>
             <a:endParaRPr lang="fr-FR" dirty="0" smtClean="0"/>
           </a:p>
           <a:p>
             <a:r>
               <a:rPr lang="fr-FR" dirty="0" smtClean="0"/>
-              <a:t>Port série</a:t>
-            </a:r>
-          </a:p>
-          <a:p>
-            <a:r>
-              <a:rPr lang="fr-FR" dirty="0" smtClean="0"/>
-              <a:t>RS232</a:t>
-            </a:r>
-          </a:p>
-          <a:p>
+              <a:t>Sous </a:t>
+            </a:r>
             <a:r>
               <a:rPr lang="fr-FR" dirty="0" err="1" smtClean="0"/>
-              <a:t>SoftwareSerial</a:t>
-            </a:r>
-            <a:endParaRPr lang="fr-FR" dirty="0" smtClean="0"/>
-          </a:p>
-          <a:p>
+              <a:t>Arduino</a:t>
+            </a:r>
+            <a:r>
+              <a:rPr lang="fr-FR" dirty="0" smtClean="0"/>
+              <a:t> un </a:t>
+            </a:r>
             <a:r>
               <a:rPr lang="fr-FR" dirty="0" err="1" smtClean="0"/>
-              <a:t>PySerial</a:t>
-            </a:r>
-            <a:endParaRPr lang="fr-FR" dirty="0" smtClean="0"/>
-          </a:p>
-          <a:p>
-            <a:r>
-              <a:rPr lang="fr-FR" dirty="0" smtClean="0"/>
-              <a:t>USB</a:t>
-            </a:r>
-          </a:p>
-          <a:p>
-            <a:r>
-              <a:rPr lang="fr-FR" dirty="0" smtClean="0"/>
-              <a:t>Ethernet</a:t>
+              <a:t>Shield</a:t>
+            </a:r>
+            <a:r>
+              <a:rPr lang="fr-FR" dirty="0" smtClean="0"/>
+              <a:t> est nécessaire ainsi que la librairie Ethernet</a:t>
+            </a:r>
+          </a:p>
+          <a:p>
+            <a:pPr lvl="1"/>
+            <a:r>
+              <a:rPr lang="fr-FR" dirty="0" smtClean="0"/>
+              <a:t>Assez complexe</a:t>
             </a:r>
           </a:p>
           <a:p>
@@ -3918,29 +4561,214 @@
           </a:p>
         </p:txBody>
       </p:sp>
+      <p:pic>
+        <p:nvPicPr>
+          <p:cNvPr id="1041" name="Picture 17" descr="Résultat de recherche d'images pour &quot;arduino ethernet&quot;"/>
+          <p:cNvPicPr>
+            <a:picLocks noChangeAspect="1" noChangeArrowheads="1"/>
+          </p:cNvPicPr>
+          <p:nvPr/>
+        </p:nvPicPr>
+        <p:blipFill>
+          <a:blip r:embed="rId2">
+            <a:extLst>
+              <a:ext uri="{28A0092B-C50C-407E-A947-70E740481C1C}">
+                <a14:useLocalDpi xmlns:a14="http://schemas.microsoft.com/office/drawing/2010/main" val="0"/>
+              </a:ext>
+            </a:extLst>
+          </a:blip>
+          <a:srcRect/>
+          <a:stretch>
+            <a:fillRect/>
+          </a:stretch>
+        </p:blipFill>
+        <p:spPr bwMode="auto">
+          <a:xfrm>
+            <a:off x="6386742" y="4365104"/>
+            <a:ext cx="2760241" cy="2760241"/>
+          </a:xfrm>
+          <a:prstGeom prst="rect">
+            <a:avLst/>
+          </a:prstGeom>
+          <a:noFill/>
+          <a:extLst>
+            <a:ext uri="{909E8E84-426E-40DD-AFC4-6F175D3DCCD1}">
+              <a14:hiddenFill xmlns:a14="http://schemas.microsoft.com/office/drawing/2010/main">
+                <a:solidFill>
+                  <a:srgbClr val="FFFFFF"/>
+                </a:solidFill>
+              </a14:hiddenFill>
+            </a:ext>
+          </a:extLst>
+        </p:spPr>
+      </p:pic>
+    </p:spTree>
+    <p:extLst>
+      <p:ext uri="{BB962C8B-B14F-4D97-AF65-F5344CB8AC3E}">
+        <p14:creationId xmlns:p14="http://schemas.microsoft.com/office/powerpoint/2010/main" val="3953937335"/>
+      </p:ext>
+    </p:extLst>
+  </p:cSld>
+  <p:clrMapOvr>
+    <a:masterClrMapping/>
+  </p:clrMapOvr>
+</p:sld>
+</file>
+
+<file path=ppt/slides/slide2.xml><?xml version="1.0" encoding="utf-8"?>
+<p:sld xmlns:a="http://schemas.openxmlformats.org/drawingml/2006/main" xmlns:r="http://schemas.openxmlformats.org/officeDocument/2006/relationships" xmlns:p="http://schemas.openxmlformats.org/presentationml/2006/main">
+  <p:cSld>
+    <p:spTree>
+      <p:nvGrpSpPr>
+        <p:cNvPr id="1" name=""/>
+        <p:cNvGrpSpPr/>
+        <p:nvPr/>
+      </p:nvGrpSpPr>
+      <p:grpSpPr>
+        <a:xfrm>
+          <a:off x="0" y="0"/>
+          <a:ext cx="0" cy="0"/>
+          <a:chOff x="0" y="0"/>
+          <a:chExt cx="0" cy="0"/>
+        </a:xfrm>
+      </p:grpSpPr>
+      <p:sp>
+        <p:nvSpPr>
+          <p:cNvPr id="2" name="Titre 1"/>
+          <p:cNvSpPr>
+            <a:spLocks noGrp="1"/>
+          </p:cNvSpPr>
+          <p:nvPr>
+            <p:ph type="title"/>
+          </p:nvPr>
+        </p:nvSpPr>
+        <p:spPr/>
+        <p:txBody>
+          <a:bodyPr/>
+          <a:lstStyle/>
+          <a:p>
+            <a:r>
+              <a:rPr lang="fr-FR" dirty="0" smtClean="0"/>
+              <a:t>Les liaisons filaires</a:t>
+            </a:r>
+            <a:endParaRPr lang="fr-FR" dirty="0"/>
+          </a:p>
+        </p:txBody>
+      </p:sp>
+      <p:sp>
+        <p:nvSpPr>
+          <p:cNvPr id="3" name="Espace réservé du contenu 2"/>
+          <p:cNvSpPr>
+            <a:spLocks noGrp="1"/>
+          </p:cNvSpPr>
+          <p:nvPr>
+            <p:ph idx="1"/>
+          </p:nvPr>
+        </p:nvSpPr>
+        <p:spPr/>
+        <p:txBody>
+          <a:bodyPr/>
+          <a:lstStyle/>
+          <a:p>
+            <a:r>
+              <a:rPr lang="fr-FR" dirty="0" smtClean="0"/>
+              <a:t>Les liaisons filaires sont encore très utilisées pour leur robustesse</a:t>
+            </a:r>
+          </a:p>
+          <a:p>
+            <a:r>
+              <a:rPr lang="fr-FR" dirty="0" smtClean="0"/>
+              <a:t>USB</a:t>
+            </a:r>
+          </a:p>
+          <a:p>
+            <a:pPr lvl="1"/>
+            <a:r>
+              <a:rPr lang="fr-FR" dirty="0" smtClean="0"/>
+              <a:t>Facile mais ne supporte pas la longueur</a:t>
+            </a:r>
+          </a:p>
+          <a:p>
+            <a:pPr lvl="1"/>
+            <a:r>
+              <a:rPr lang="fr-FR" dirty="0" smtClean="0"/>
+              <a:t>Rapide (USB 3)</a:t>
+            </a:r>
+          </a:p>
+          <a:p>
+            <a:r>
+              <a:rPr lang="fr-FR" dirty="0" smtClean="0"/>
+              <a:t>RS232</a:t>
+            </a:r>
+          </a:p>
+          <a:p>
+            <a:pPr lvl="1"/>
+            <a:r>
+              <a:rPr lang="fr-FR"/>
+              <a:t>T</a:t>
+            </a:r>
+            <a:r>
+              <a:rPr lang="fr-FR" smtClean="0"/>
+              <a:t>rès </a:t>
+            </a:r>
+            <a:r>
+              <a:rPr lang="fr-FR" dirty="0" smtClean="0"/>
+              <a:t>fiable (contrôle de redondance)</a:t>
+            </a:r>
+          </a:p>
+          <a:p>
+            <a:pPr lvl="1"/>
+            <a:r>
+              <a:rPr lang="fr-FR" dirty="0" smtClean="0"/>
+              <a:t>Lent</a:t>
+            </a:r>
+          </a:p>
+          <a:p>
+            <a:r>
+              <a:rPr lang="fr-FR" dirty="0" smtClean="0"/>
+              <a:t>Ethernet</a:t>
+            </a:r>
+          </a:p>
+          <a:p>
+            <a:pPr lvl="1"/>
+            <a:r>
+              <a:rPr lang="fr-FR" dirty="0" smtClean="0"/>
+              <a:t>Très fiable et très rapide (Gbit/s)</a:t>
+            </a:r>
+          </a:p>
+          <a:p>
+            <a:pPr lvl="1"/>
+            <a:r>
+              <a:rPr lang="fr-FR" dirty="0" smtClean="0"/>
+              <a:t>Nécessite une infrastructure IP</a:t>
+            </a:r>
+            <a:endParaRPr lang="fr-FR" dirty="0"/>
+          </a:p>
+        </p:txBody>
+      </p:sp>
       <p:graphicFrame>
         <p:nvGraphicFramePr>
-          <p:cNvPr id="5" name="Objet 4"/>
+          <p:cNvPr id="4" name="Objet 3"/>
           <p:cNvGraphicFramePr>
             <a:graphicFrameLocks noChangeAspect="1"/>
           </p:cNvGraphicFramePr>
           <p:nvPr>
             <p:extLst>
               <p:ext uri="{D42A27DB-BD31-4B8C-83A1-F6EECF244321}">
-                <p14:modId xmlns:p14="http://schemas.microsoft.com/office/powerpoint/2010/main" val="1480598287"/>
+                <p14:modId xmlns:p14="http://schemas.microsoft.com/office/powerpoint/2010/main" val="878282095"/>
               </p:ext>
             </p:extLst>
           </p:nvPr>
         </p:nvGraphicFramePr>
         <p:xfrm>
-          <a:off x="5505291" y="1389679"/>
+          <a:off x="5652120" y="5013176"/>
           <a:ext cx="3491880" cy="1933520"/>
         </p:xfrm>
         <a:graphic>
           <a:graphicData uri="http://schemas.openxmlformats.org/presentationml/2006/ole">
             <mc:AlternateContent xmlns:mc="http://schemas.openxmlformats.org/markup-compatibility/2006">
               <mc:Choice xmlns:v="urn:schemas-microsoft-com:vml" Requires="v">
-                <p:oleObj spid="_x0000_s1028" r:id="rId3" imgW="8646363" imgH="4788816" progId="Unknown">
+                <p:oleObj spid="_x0000_s3086" r:id="rId3" imgW="8646363" imgH="4788816" progId="Unknown">
                   <p:embed/>
                 </p:oleObj>
               </mc:Choice>
@@ -3949,7 +4777,7 @@
                   <p:embed/>
                   <p:pic>
                     <p:nvPicPr>
-                      <p:cNvPr id="0" name="Object 1"/>
+                      <p:cNvPr id="0" name=""/>
                       <p:cNvPicPr>
                         <a:picLocks noChangeAspect="1" noChangeArrowheads="1"/>
                       </p:cNvPicPr>
@@ -3970,7 +4798,7 @@
                     </p:blipFill>
                     <p:spPr bwMode="auto">
                       <a:xfrm>
-                        <a:off x="5505291" y="1389679"/>
+                        <a:off x="5652120" y="5013176"/>
                         <a:ext cx="3491880" cy="1933520"/>
                       </a:xfrm>
                       <a:prstGeom prst="rect">
@@ -3985,36 +4813,296 @@
           </a:graphicData>
         </a:graphic>
       </p:graphicFrame>
+    </p:spTree>
+    <p:extLst>
+      <p:ext uri="{BB962C8B-B14F-4D97-AF65-F5344CB8AC3E}">
+        <p14:creationId xmlns:p14="http://schemas.microsoft.com/office/powerpoint/2010/main" val="2823273670"/>
+      </p:ext>
+    </p:extLst>
+  </p:cSld>
+  <p:clrMapOvr>
+    <a:masterClrMapping/>
+  </p:clrMapOvr>
+</p:sld>
+</file>
+
+<file path=ppt/slides/slide3.xml><?xml version="1.0" encoding="utf-8"?>
+<p:sld xmlns:a="http://schemas.openxmlformats.org/drawingml/2006/main" xmlns:r="http://schemas.openxmlformats.org/officeDocument/2006/relationships" xmlns:p="http://schemas.openxmlformats.org/presentationml/2006/main">
+  <p:cSld>
+    <p:spTree>
+      <p:nvGrpSpPr>
+        <p:cNvPr id="1" name=""/>
+        <p:cNvGrpSpPr/>
+        <p:nvPr/>
+      </p:nvGrpSpPr>
+      <p:grpSpPr>
+        <a:xfrm>
+          <a:off x="0" y="0"/>
+          <a:ext cx="0" cy="0"/>
+          <a:chOff x="0" y="0"/>
+          <a:chExt cx="0" cy="0"/>
+        </a:xfrm>
+      </p:grpSpPr>
+      <p:sp>
+        <p:nvSpPr>
+          <p:cNvPr id="2" name="Titre 1"/>
+          <p:cNvSpPr>
+            <a:spLocks noGrp="1"/>
+          </p:cNvSpPr>
+          <p:nvPr>
+            <p:ph type="title"/>
+          </p:nvPr>
+        </p:nvSpPr>
+        <p:spPr/>
+        <p:txBody>
+          <a:bodyPr/>
+          <a:lstStyle/>
+          <a:p>
+            <a:r>
+              <a:rPr lang="fr-FR" dirty="0" smtClean="0"/>
+              <a:t>La liaison série</a:t>
+            </a:r>
+            <a:endParaRPr lang="fr-FR" dirty="0"/>
+          </a:p>
+        </p:txBody>
+      </p:sp>
+      <p:sp>
+        <p:nvSpPr>
+          <p:cNvPr id="3" name="Espace réservé du contenu 2"/>
+          <p:cNvSpPr>
+            <a:spLocks noGrp="1"/>
+          </p:cNvSpPr>
+          <p:nvPr>
+            <p:ph idx="1"/>
+          </p:nvPr>
+        </p:nvSpPr>
+        <p:spPr/>
+        <p:txBody>
+          <a:bodyPr/>
+          <a:lstStyle/>
+          <a:p>
+            <a:r>
+              <a:rPr lang="fr-FR" dirty="0" smtClean="0"/>
+              <a:t>La liaison série permet de transmettre des données par des ports numériques</a:t>
+            </a:r>
+          </a:p>
+          <a:p>
+            <a:pPr lvl="1"/>
+            <a:r>
+              <a:rPr lang="fr-FR" dirty="0" smtClean="0"/>
+              <a:t>Nécessite une synchronisation précise</a:t>
+            </a:r>
+          </a:p>
+          <a:p>
+            <a:pPr lvl="1"/>
+            <a:r>
+              <a:rPr lang="fr-FR" dirty="0" err="1" smtClean="0"/>
+              <a:t>baudrate</a:t>
+            </a:r>
+            <a:endParaRPr lang="fr-FR" dirty="0" smtClean="0"/>
+          </a:p>
+          <a:p>
+            <a:r>
+              <a:rPr lang="fr-FR" dirty="0" smtClean="0"/>
+              <a:t>L'</a:t>
+            </a:r>
+            <a:r>
+              <a:rPr lang="fr-FR" dirty="0" err="1" smtClean="0"/>
+              <a:t>Arduino</a:t>
+            </a:r>
+            <a:r>
+              <a:rPr lang="fr-FR" dirty="0" smtClean="0"/>
+              <a:t> et le </a:t>
+            </a:r>
+            <a:r>
+              <a:rPr lang="fr-FR" dirty="0" err="1" smtClean="0"/>
+              <a:t>Raspberry</a:t>
+            </a:r>
+            <a:r>
+              <a:rPr lang="fr-FR" dirty="0" smtClean="0"/>
+              <a:t> possède une puce spécialisée dans la liaison série : L'UART</a:t>
+            </a:r>
+          </a:p>
+        </p:txBody>
+      </p:sp>
+    </p:spTree>
+    <p:extLst>
+      <p:ext uri="{BB962C8B-B14F-4D97-AF65-F5344CB8AC3E}">
+        <p14:creationId xmlns:p14="http://schemas.microsoft.com/office/powerpoint/2010/main" val="2301051169"/>
+      </p:ext>
+    </p:extLst>
+  </p:cSld>
+  <p:clrMapOvr>
+    <a:masterClrMapping/>
+  </p:clrMapOvr>
+</p:sld>
+</file>
+
+<file path=ppt/slides/slide4.xml><?xml version="1.0" encoding="utf-8"?>
+<p:sld xmlns:a="http://schemas.openxmlformats.org/drawingml/2006/main" xmlns:r="http://schemas.openxmlformats.org/officeDocument/2006/relationships" xmlns:p="http://schemas.openxmlformats.org/presentationml/2006/main">
+  <p:cSld>
+    <p:spTree>
+      <p:nvGrpSpPr>
+        <p:cNvPr id="1" name=""/>
+        <p:cNvGrpSpPr/>
+        <p:nvPr/>
+      </p:nvGrpSpPr>
+      <p:grpSpPr>
+        <a:xfrm>
+          <a:off x="0" y="0"/>
+          <a:ext cx="0" cy="0"/>
+          <a:chOff x="0" y="0"/>
+          <a:chExt cx="0" cy="0"/>
+        </a:xfrm>
+      </p:grpSpPr>
+      <p:sp>
+        <p:nvSpPr>
+          <p:cNvPr id="2" name="Titre 1"/>
+          <p:cNvSpPr>
+            <a:spLocks noGrp="1"/>
+          </p:cNvSpPr>
+          <p:nvPr>
+            <p:ph type="title"/>
+          </p:nvPr>
+        </p:nvSpPr>
+        <p:spPr/>
+        <p:txBody>
+          <a:bodyPr/>
+          <a:lstStyle/>
+          <a:p>
+            <a:r>
+              <a:rPr lang="fr-FR" dirty="0" smtClean="0"/>
+              <a:t>UART</a:t>
+            </a:r>
+            <a:endParaRPr lang="fr-FR" dirty="0"/>
+          </a:p>
+        </p:txBody>
+      </p:sp>
+      <p:sp>
+        <p:nvSpPr>
+          <p:cNvPr id="3" name="Espace réservé du contenu 2"/>
+          <p:cNvSpPr>
+            <a:spLocks noGrp="1"/>
+          </p:cNvSpPr>
+          <p:nvPr>
+            <p:ph idx="1"/>
+          </p:nvPr>
+        </p:nvSpPr>
+        <p:spPr/>
+        <p:txBody>
+          <a:bodyPr/>
+          <a:lstStyle/>
+          <a:p>
+            <a:r>
+              <a:rPr lang="fr-FR" sz="2400" dirty="0" smtClean="0"/>
+              <a:t>Universal </a:t>
+            </a:r>
+            <a:r>
+              <a:rPr lang="fr-FR" sz="2400" dirty="0" err="1"/>
+              <a:t>Asynchronous</a:t>
+            </a:r>
+            <a:r>
+              <a:rPr lang="fr-FR" sz="2400" dirty="0"/>
+              <a:t> </a:t>
+            </a:r>
+            <a:r>
+              <a:rPr lang="fr-FR" sz="2400" dirty="0" err="1"/>
+              <a:t>Receiver</a:t>
+            </a:r>
+            <a:r>
+              <a:rPr lang="fr-FR" sz="2400" dirty="0"/>
+              <a:t> </a:t>
+            </a:r>
+            <a:r>
+              <a:rPr lang="fr-FR" sz="2400" dirty="0" err="1" smtClean="0"/>
+              <a:t>Transmitter</a:t>
+            </a:r>
+            <a:endParaRPr lang="fr-FR" sz="2400" dirty="0"/>
+          </a:p>
+          <a:p>
+            <a:r>
+              <a:rPr lang="fr-FR" sz="2400" dirty="0" smtClean="0"/>
+              <a:t>Une </a:t>
+            </a:r>
+            <a:r>
+              <a:rPr lang="fr-FR" sz="2400" dirty="0"/>
+              <a:t>trame UART est constituée des bits suivants :</a:t>
+            </a:r>
+          </a:p>
+          <a:p>
+            <a:pPr lvl="1"/>
+            <a:r>
+              <a:rPr lang="fr-FR" sz="2000" dirty="0" smtClean="0"/>
+              <a:t>Constitution </a:t>
+            </a:r>
+            <a:r>
+              <a:rPr lang="fr-FR" sz="2000" dirty="0"/>
+              <a:t>d'une trame UART</a:t>
+            </a:r>
+          </a:p>
+          <a:p>
+            <a:pPr lvl="1"/>
+            <a:r>
+              <a:rPr lang="fr-FR" sz="2000" dirty="0"/>
+              <a:t>un bit de </a:t>
+            </a:r>
+            <a:r>
+              <a:rPr lang="fr-FR" sz="2000" dirty="0" err="1"/>
+              <a:t>start</a:t>
+            </a:r>
+            <a:r>
+              <a:rPr lang="fr-FR" sz="2000" dirty="0"/>
+              <a:t> toujours à 0 : servant à la synchronisation du récepteur</a:t>
+            </a:r>
+          </a:p>
+          <a:p>
+            <a:pPr lvl="1"/>
+            <a:r>
+              <a:rPr lang="fr-FR" sz="2000" dirty="0"/>
+              <a:t>Données : la taille des données est comprise entre 5 et 9 bits. Bits envoyés du LSB (bit de poids faible) au MSB (bit de poids fort).</a:t>
+            </a:r>
+          </a:p>
+          <a:p>
+            <a:pPr lvl="1"/>
+            <a:r>
+              <a:rPr lang="fr-FR" sz="2000" dirty="0"/>
+              <a:t>Parité : Paire ou Impaire (optionnel)</a:t>
+            </a:r>
+          </a:p>
+          <a:p>
+            <a:pPr lvl="1"/>
+            <a:r>
+              <a:rPr lang="fr-FR" sz="2000" dirty="0"/>
+              <a:t>Fin : Un bit de stop, toujours à 1. La durée de celui-ci varie entre 1, 1.5 et 2 (A l'utilisateur de choisir).</a:t>
+            </a:r>
+          </a:p>
+          <a:p>
+            <a:pPr lvl="1"/>
+            <a:r>
+              <a:rPr lang="fr-FR" sz="2000" dirty="0"/>
+              <a:t>Le niveau logique de repos est le 1.</a:t>
+            </a:r>
+            <a:endParaRPr lang="fr-FR" sz="2000" dirty="0" smtClean="0"/>
+          </a:p>
+          <a:p>
+            <a:endParaRPr lang="fr-FR" sz="2400" dirty="0" smtClean="0"/>
+          </a:p>
+          <a:p>
+            <a:pPr lvl="1"/>
+            <a:endParaRPr lang="fr-FR" sz="2000" dirty="0"/>
+          </a:p>
+        </p:txBody>
+      </p:sp>
       <p:pic>
         <p:nvPicPr>
-          <p:cNvPr id="6" name="Image 5"/>
-          <p:cNvPicPr/>
+          <p:cNvPr id="2050" name="Picture 2" descr="https://upload.wikimedia.org/wikipedia/commons/thumb/0/0e/Constitution_trame_uart.png/600px-Constitution_trame_uart.png"/>
+          <p:cNvPicPr>
+            <a:picLocks noChangeAspect="1" noChangeArrowheads="1"/>
+          </p:cNvPicPr>
           <p:nvPr/>
         </p:nvPicPr>
         <p:blipFill>
-          <a:blip r:embed="rId5"/>
-          <a:stretch>
-            <a:fillRect/>
-          </a:stretch>
-        </p:blipFill>
-        <p:spPr>
-          <a:xfrm>
-            <a:off x="4932040" y="3307372"/>
-            <a:ext cx="3384416" cy="2071126"/>
-          </a:xfrm>
-          <a:prstGeom prst="rect">
-            <a:avLst/>
-          </a:prstGeom>
-        </p:spPr>
-      </p:pic>
-      <p:pic>
-        <p:nvPicPr>
-          <p:cNvPr id="7" name="Image 6" descr="https://joy-it.net/files/files/Produkte/ARD-RS232/ARD-RS232-01.png"/>
-          <p:cNvPicPr/>
-          <p:nvPr/>
-        </p:nvPicPr>
-        <p:blipFill>
-          <a:blip r:embed="rId6" cstate="print">
+          <a:blip r:embed="rId2">
             <a:extLst>
               <a:ext uri="{28A0092B-C50C-407E-A947-70E740481C1C}">
                 <a14:useLocalDpi xmlns:a14="http://schemas.microsoft.com/office/drawing/2010/main" val="0"/>
@@ -4028,7 +5116,633 @@
         </p:blipFill>
         <p:spPr bwMode="auto">
           <a:xfrm>
-            <a:off x="6955821" y="3484091"/>
+            <a:off x="1705037" y="5301208"/>
+            <a:ext cx="5715000" cy="923925"/>
+          </a:xfrm>
+          <a:prstGeom prst="rect">
+            <a:avLst/>
+          </a:prstGeom>
+          <a:noFill/>
+          <a:extLst>
+            <a:ext uri="{909E8E84-426E-40DD-AFC4-6F175D3DCCD1}">
+              <a14:hiddenFill xmlns:a14="http://schemas.microsoft.com/office/drawing/2010/main">
+                <a:solidFill>
+                  <a:srgbClr val="FFFFFF"/>
+                </a:solidFill>
+              </a14:hiddenFill>
+            </a:ext>
+          </a:extLst>
+        </p:spPr>
+      </p:pic>
+    </p:spTree>
+    <p:extLst>
+      <p:ext uri="{BB962C8B-B14F-4D97-AF65-F5344CB8AC3E}">
+        <p14:creationId xmlns:p14="http://schemas.microsoft.com/office/powerpoint/2010/main" val="2537408129"/>
+      </p:ext>
+    </p:extLst>
+  </p:cSld>
+  <p:clrMapOvr>
+    <a:masterClrMapping/>
+  </p:clrMapOvr>
+</p:sld>
+</file>
+
+<file path=ppt/slides/slide5.xml><?xml version="1.0" encoding="utf-8"?>
+<p:sld xmlns:a="http://schemas.openxmlformats.org/drawingml/2006/main" xmlns:r="http://schemas.openxmlformats.org/officeDocument/2006/relationships" xmlns:p="http://schemas.openxmlformats.org/presentationml/2006/main">
+  <p:cSld>
+    <p:spTree>
+      <p:nvGrpSpPr>
+        <p:cNvPr id="1" name=""/>
+        <p:cNvGrpSpPr/>
+        <p:nvPr/>
+      </p:nvGrpSpPr>
+      <p:grpSpPr>
+        <a:xfrm>
+          <a:off x="0" y="0"/>
+          <a:ext cx="0" cy="0"/>
+          <a:chOff x="0" y="0"/>
+          <a:chExt cx="0" cy="0"/>
+        </a:xfrm>
+      </p:grpSpPr>
+      <p:sp>
+        <p:nvSpPr>
+          <p:cNvPr id="2" name="Titre 1"/>
+          <p:cNvSpPr>
+            <a:spLocks noGrp="1"/>
+          </p:cNvSpPr>
+          <p:nvPr>
+            <p:ph type="title"/>
+          </p:nvPr>
+        </p:nvSpPr>
+        <p:spPr/>
+        <p:txBody>
+          <a:bodyPr/>
+          <a:lstStyle/>
+          <a:p>
+            <a:r>
+              <a:rPr lang="fr-FR" dirty="0" err="1" smtClean="0"/>
+              <a:t>Arduino</a:t>
+            </a:r>
+            <a:r>
+              <a:rPr lang="fr-FR" dirty="0" smtClean="0"/>
+              <a:t> UART</a:t>
+            </a:r>
+            <a:endParaRPr lang="fr-FR" dirty="0"/>
+          </a:p>
+        </p:txBody>
+      </p:sp>
+      <p:sp>
+        <p:nvSpPr>
+          <p:cNvPr id="3" name="Espace réservé du contenu 2"/>
+          <p:cNvSpPr>
+            <a:spLocks noGrp="1"/>
+          </p:cNvSpPr>
+          <p:nvPr>
+            <p:ph idx="1"/>
+          </p:nvPr>
+        </p:nvSpPr>
+        <p:spPr/>
+        <p:txBody>
+          <a:bodyPr/>
+          <a:lstStyle/>
+          <a:p>
+            <a:r>
+              <a:rPr lang="fr-FR" dirty="0" smtClean="0"/>
+              <a:t>Sur l'</a:t>
+            </a:r>
+            <a:r>
+              <a:rPr lang="fr-FR" dirty="0" err="1" smtClean="0"/>
+              <a:t>Arduino</a:t>
+            </a:r>
+            <a:r>
+              <a:rPr lang="fr-FR" dirty="0" smtClean="0"/>
+              <a:t> l'UART est par défaut sur le port USB</a:t>
+            </a:r>
+          </a:p>
+          <a:p>
+            <a:pPr lvl="1"/>
+            <a:r>
+              <a:rPr lang="fr-FR" dirty="0" smtClean="0"/>
+              <a:t>Peut être surcharger sur les I/O 0 (</a:t>
+            </a:r>
+            <a:r>
+              <a:rPr lang="fr-FR" dirty="0" err="1" smtClean="0"/>
+              <a:t>Tx</a:t>
+            </a:r>
+            <a:r>
+              <a:rPr lang="fr-FR" dirty="0" smtClean="0"/>
+              <a:t>) et 1 (</a:t>
+            </a:r>
+            <a:r>
+              <a:rPr lang="fr-FR" dirty="0" err="1" smtClean="0"/>
+              <a:t>Rx</a:t>
+            </a:r>
+            <a:r>
+              <a:rPr lang="fr-FR" dirty="0" smtClean="0"/>
+              <a:t>)</a:t>
+            </a:r>
+          </a:p>
+          <a:p>
+            <a:r>
+              <a:rPr lang="fr-FR" dirty="0" err="1" smtClean="0"/>
+              <a:t>Serial.begin</a:t>
+            </a:r>
+            <a:r>
+              <a:rPr lang="fr-FR" dirty="0" smtClean="0"/>
+              <a:t>(9600)</a:t>
+            </a:r>
+          </a:p>
+          <a:p>
+            <a:pPr lvl="1"/>
+            <a:r>
+              <a:rPr lang="fr-FR" dirty="0" smtClean="0"/>
+              <a:t>Démarre la liaison série par défaut en 9600 bauds</a:t>
+            </a:r>
+          </a:p>
+          <a:p>
+            <a:pPr lvl="1"/>
+            <a:r>
+              <a:rPr lang="fr-FR" dirty="0" smtClean="0"/>
+              <a:t>Peut aller jusqu'à 115200 sur </a:t>
+            </a:r>
+            <a:r>
+              <a:rPr lang="fr-FR" dirty="0" err="1" smtClean="0"/>
+              <a:t>Uno</a:t>
+            </a:r>
+            <a:r>
+              <a:rPr lang="fr-FR" dirty="0" smtClean="0"/>
+              <a:t> largement plus sur d'autres carte</a:t>
+            </a:r>
+          </a:p>
+          <a:p>
+            <a:r>
+              <a:rPr lang="fr-FR" dirty="0" err="1" smtClean="0"/>
+              <a:t>Serial.print</a:t>
+            </a:r>
+            <a:r>
+              <a:rPr lang="fr-FR" dirty="0" smtClean="0"/>
+              <a:t>("Hello") écrit une trame série</a:t>
+            </a:r>
+          </a:p>
+          <a:p>
+            <a:r>
+              <a:rPr lang="fr-FR" dirty="0" err="1" smtClean="0"/>
+              <a:t>Serial.println</a:t>
+            </a:r>
+            <a:r>
+              <a:rPr lang="fr-FR" dirty="0" smtClean="0"/>
+              <a:t>("</a:t>
+            </a:r>
+            <a:r>
+              <a:rPr lang="fr-FR" dirty="0"/>
+              <a:t>Hello") écrit une trame </a:t>
+            </a:r>
+            <a:r>
+              <a:rPr lang="fr-FR" dirty="0" smtClean="0"/>
+              <a:t>série terminée par un \n</a:t>
+            </a:r>
+          </a:p>
+          <a:p>
+            <a:endParaRPr lang="fr-FR" dirty="0"/>
+          </a:p>
+          <a:p>
+            <a:endParaRPr lang="fr-FR" dirty="0"/>
+          </a:p>
+        </p:txBody>
+      </p:sp>
+    </p:spTree>
+    <p:extLst>
+      <p:ext uri="{BB962C8B-B14F-4D97-AF65-F5344CB8AC3E}">
+        <p14:creationId xmlns:p14="http://schemas.microsoft.com/office/powerpoint/2010/main" val="3460871389"/>
+      </p:ext>
+    </p:extLst>
+  </p:cSld>
+  <p:clrMapOvr>
+    <a:masterClrMapping/>
+  </p:clrMapOvr>
+</p:sld>
+</file>
+
+<file path=ppt/slides/slide6.xml><?xml version="1.0" encoding="utf-8"?>
+<p:sld xmlns:a="http://schemas.openxmlformats.org/drawingml/2006/main" xmlns:r="http://schemas.openxmlformats.org/officeDocument/2006/relationships" xmlns:p="http://schemas.openxmlformats.org/presentationml/2006/main">
+  <p:cSld>
+    <p:spTree>
+      <p:nvGrpSpPr>
+        <p:cNvPr id="1" name=""/>
+        <p:cNvGrpSpPr/>
+        <p:nvPr/>
+      </p:nvGrpSpPr>
+      <p:grpSpPr>
+        <a:xfrm>
+          <a:off x="0" y="0"/>
+          <a:ext cx="0" cy="0"/>
+          <a:chOff x="0" y="0"/>
+          <a:chExt cx="0" cy="0"/>
+        </a:xfrm>
+      </p:grpSpPr>
+      <p:sp>
+        <p:nvSpPr>
+          <p:cNvPr id="2" name="Titre 1"/>
+          <p:cNvSpPr>
+            <a:spLocks noGrp="1"/>
+          </p:cNvSpPr>
+          <p:nvPr>
+            <p:ph type="title"/>
+          </p:nvPr>
+        </p:nvSpPr>
+        <p:spPr/>
+        <p:txBody>
+          <a:bodyPr/>
+          <a:lstStyle/>
+          <a:p>
+            <a:r>
+              <a:rPr lang="fr-FR" dirty="0" smtClean="0"/>
+              <a:t>Lecture </a:t>
+            </a:r>
+            <a:r>
+              <a:rPr lang="fr-FR" dirty="0" err="1" smtClean="0"/>
+              <a:t>Arduino</a:t>
+            </a:r>
+            <a:endParaRPr lang="fr-FR" dirty="0"/>
+          </a:p>
+        </p:txBody>
+      </p:sp>
+      <p:sp>
+        <p:nvSpPr>
+          <p:cNvPr id="3" name="Espace réservé du contenu 2"/>
+          <p:cNvSpPr>
+            <a:spLocks noGrp="1"/>
+          </p:cNvSpPr>
+          <p:nvPr>
+            <p:ph idx="1"/>
+          </p:nvPr>
+        </p:nvSpPr>
+        <p:spPr/>
+        <p:txBody>
+          <a:bodyPr/>
+          <a:lstStyle/>
+          <a:p>
+            <a:r>
+              <a:rPr lang="fr-FR" dirty="0" err="1" smtClean="0"/>
+              <a:t>Serial.available</a:t>
+            </a:r>
+            <a:r>
+              <a:rPr lang="fr-FR" dirty="0" smtClean="0"/>
+              <a:t>()</a:t>
+            </a:r>
+          </a:p>
+          <a:p>
+            <a:pPr lvl="1"/>
+            <a:r>
+              <a:rPr lang="fr-FR" dirty="0" smtClean="0"/>
+              <a:t>Renvoie le nombre d'octet dans la mémoire de réception</a:t>
+            </a:r>
+          </a:p>
+          <a:p>
+            <a:r>
+              <a:rPr lang="fr-FR" dirty="0" err="1" smtClean="0"/>
+              <a:t>Serial.read</a:t>
+            </a:r>
+            <a:r>
+              <a:rPr lang="fr-FR" dirty="0" smtClean="0"/>
+              <a:t>()</a:t>
+            </a:r>
+          </a:p>
+          <a:p>
+            <a:pPr lvl="1"/>
+            <a:r>
+              <a:rPr lang="fr-FR" dirty="0" smtClean="0"/>
+              <a:t>Lit un octet</a:t>
+            </a:r>
+          </a:p>
+          <a:p>
+            <a:r>
+              <a:rPr lang="fr-FR" dirty="0" err="1"/>
+              <a:t>Serial.readStringUntil</a:t>
+            </a:r>
+            <a:r>
+              <a:rPr lang="fr-FR" dirty="0"/>
+              <a:t>('\n</a:t>
+            </a:r>
+            <a:r>
+              <a:rPr lang="fr-FR" dirty="0" smtClean="0"/>
+              <a:t>')</a:t>
+            </a:r>
+          </a:p>
+          <a:p>
+            <a:pPr lvl="1"/>
+            <a:r>
+              <a:rPr lang="fr-FR" dirty="0" smtClean="0"/>
+              <a:t>Lit une String jusqu'au retour chariot</a:t>
+            </a:r>
+            <a:endParaRPr lang="fr-FR" dirty="0"/>
+          </a:p>
+        </p:txBody>
+      </p:sp>
+    </p:spTree>
+    <p:extLst>
+      <p:ext uri="{BB962C8B-B14F-4D97-AF65-F5344CB8AC3E}">
+        <p14:creationId xmlns:p14="http://schemas.microsoft.com/office/powerpoint/2010/main" val="1815881976"/>
+      </p:ext>
+    </p:extLst>
+  </p:cSld>
+  <p:clrMapOvr>
+    <a:masterClrMapping/>
+  </p:clrMapOvr>
+</p:sld>
+</file>
+
+<file path=ppt/slides/slide7.xml><?xml version="1.0" encoding="utf-8"?>
+<p:sld xmlns:a="http://schemas.openxmlformats.org/drawingml/2006/main" xmlns:r="http://schemas.openxmlformats.org/officeDocument/2006/relationships" xmlns:p="http://schemas.openxmlformats.org/presentationml/2006/main">
+  <p:cSld>
+    <p:spTree>
+      <p:nvGrpSpPr>
+        <p:cNvPr id="1" name=""/>
+        <p:cNvGrpSpPr/>
+        <p:nvPr/>
+      </p:nvGrpSpPr>
+      <p:grpSpPr>
+        <a:xfrm>
+          <a:off x="0" y="0"/>
+          <a:ext cx="0" cy="0"/>
+          <a:chOff x="0" y="0"/>
+          <a:chExt cx="0" cy="0"/>
+        </a:xfrm>
+      </p:grpSpPr>
+      <p:sp>
+        <p:nvSpPr>
+          <p:cNvPr id="2" name="Titre 1"/>
+          <p:cNvSpPr>
+            <a:spLocks noGrp="1"/>
+          </p:cNvSpPr>
+          <p:nvPr>
+            <p:ph type="title"/>
+          </p:nvPr>
+        </p:nvSpPr>
+        <p:spPr/>
+        <p:txBody>
+          <a:bodyPr/>
+          <a:lstStyle/>
+          <a:p>
+            <a:r>
+              <a:rPr lang="fr-FR" dirty="0" err="1" smtClean="0"/>
+              <a:t>SoftwareSerial</a:t>
+            </a:r>
+            <a:endParaRPr lang="fr-FR" dirty="0"/>
+          </a:p>
+        </p:txBody>
+      </p:sp>
+      <p:sp>
+        <p:nvSpPr>
+          <p:cNvPr id="3" name="Espace réservé du contenu 2"/>
+          <p:cNvSpPr>
+            <a:spLocks noGrp="1"/>
+          </p:cNvSpPr>
+          <p:nvPr>
+            <p:ph idx="1"/>
+          </p:nvPr>
+        </p:nvSpPr>
+        <p:spPr/>
+        <p:txBody>
+          <a:bodyPr/>
+          <a:lstStyle/>
+          <a:p>
+            <a:r>
+              <a:rPr lang="fr-FR" dirty="0" smtClean="0"/>
+              <a:t>La librairie </a:t>
+            </a:r>
+            <a:r>
+              <a:rPr lang="fr-FR" dirty="0" err="1" smtClean="0"/>
+              <a:t>SofwateSerial</a:t>
+            </a:r>
+            <a:r>
+              <a:rPr lang="fr-FR" dirty="0" smtClean="0"/>
+              <a:t> permet de communiquer en série sans passer par l'UART</a:t>
+            </a:r>
+          </a:p>
+          <a:p>
+            <a:pPr lvl="1"/>
+            <a:r>
+              <a:rPr lang="fr-FR" dirty="0" smtClean="0"/>
+              <a:t>Un peu moins fiable</a:t>
+            </a:r>
+          </a:p>
+          <a:p>
+            <a:pPr lvl="1"/>
+            <a:r>
+              <a:rPr lang="fr-FR" dirty="0" smtClean="0"/>
+              <a:t>Permet d'avoir plusieurs liaison série</a:t>
+            </a:r>
+          </a:p>
+          <a:p>
+            <a:pPr lvl="1"/>
+            <a:r>
+              <a:rPr lang="fr-FR" dirty="0" smtClean="0"/>
+              <a:t>Permet d'utiliser d'autres I/O que 0 et 1</a:t>
+            </a:r>
+          </a:p>
+          <a:p>
+            <a:r>
+              <a:rPr lang="fr-FR" dirty="0" smtClean="0"/>
+              <a:t>Par exemple</a:t>
+            </a:r>
+          </a:p>
+          <a:p>
+            <a:pPr lvl="1"/>
+            <a:r>
+              <a:rPr lang="fr-FR" dirty="0"/>
+              <a:t>#</a:t>
+            </a:r>
+            <a:r>
+              <a:rPr lang="fr-FR" dirty="0" err="1"/>
+              <a:t>include</a:t>
+            </a:r>
+            <a:r>
+              <a:rPr lang="fr-FR" dirty="0"/>
+              <a:t> &lt;</a:t>
+            </a:r>
+            <a:r>
+              <a:rPr lang="fr-FR" dirty="0" err="1"/>
+              <a:t>SoftwareSerial.h</a:t>
+            </a:r>
+            <a:r>
+              <a:rPr lang="fr-FR" dirty="0"/>
+              <a:t>&gt;</a:t>
+            </a:r>
+          </a:p>
+          <a:p>
+            <a:pPr lvl="1"/>
+            <a:r>
+              <a:rPr lang="fr-FR" dirty="0" err="1" smtClean="0"/>
+              <a:t>SoftwareSerial</a:t>
+            </a:r>
+            <a:r>
+              <a:rPr lang="fr-FR" dirty="0" smtClean="0"/>
+              <a:t> </a:t>
+            </a:r>
+            <a:r>
+              <a:rPr lang="fr-FR" dirty="0" err="1"/>
+              <a:t>mySerial</a:t>
+            </a:r>
+            <a:r>
+              <a:rPr lang="fr-FR" dirty="0"/>
+              <a:t>(7, 6</a:t>
+            </a:r>
+            <a:r>
+              <a:rPr lang="fr-FR" dirty="0" smtClean="0"/>
+              <a:t>);</a:t>
+            </a:r>
+          </a:p>
+          <a:p>
+            <a:pPr lvl="1"/>
+            <a:r>
+              <a:rPr lang="fr-FR" dirty="0" err="1" smtClean="0"/>
+              <a:t>mySerial.println</a:t>
+            </a:r>
+            <a:r>
+              <a:rPr lang="fr-FR" dirty="0" smtClean="0"/>
+              <a:t>("hello")</a:t>
+            </a:r>
+          </a:p>
+          <a:p>
+            <a:pPr lvl="1"/>
+            <a:r>
+              <a:rPr lang="fr-FR" dirty="0" smtClean="0"/>
+              <a:t>Permet de communiquer en série sur les I/O 6 et 7</a:t>
+            </a:r>
+            <a:endParaRPr lang="fr-FR" dirty="0"/>
+          </a:p>
+        </p:txBody>
+      </p:sp>
+    </p:spTree>
+    <p:extLst>
+      <p:ext uri="{BB962C8B-B14F-4D97-AF65-F5344CB8AC3E}">
+        <p14:creationId xmlns:p14="http://schemas.microsoft.com/office/powerpoint/2010/main" val="3342580534"/>
+      </p:ext>
+    </p:extLst>
+  </p:cSld>
+  <p:clrMapOvr>
+    <a:masterClrMapping/>
+  </p:clrMapOvr>
+</p:sld>
+</file>
+
+<file path=ppt/slides/slide8.xml><?xml version="1.0" encoding="utf-8"?>
+<p:sld xmlns:a="http://schemas.openxmlformats.org/drawingml/2006/main" xmlns:r="http://schemas.openxmlformats.org/officeDocument/2006/relationships" xmlns:p="http://schemas.openxmlformats.org/presentationml/2006/main">
+  <p:cSld>
+    <p:spTree>
+      <p:nvGrpSpPr>
+        <p:cNvPr id="1" name=""/>
+        <p:cNvGrpSpPr/>
+        <p:nvPr/>
+      </p:nvGrpSpPr>
+      <p:grpSpPr>
+        <a:xfrm>
+          <a:off x="0" y="0"/>
+          <a:ext cx="0" cy="0"/>
+          <a:chOff x="0" y="0"/>
+          <a:chExt cx="0" cy="0"/>
+        </a:xfrm>
+      </p:grpSpPr>
+      <p:sp>
+        <p:nvSpPr>
+          <p:cNvPr id="2" name="Titre 1"/>
+          <p:cNvSpPr>
+            <a:spLocks noGrp="1"/>
+          </p:cNvSpPr>
+          <p:nvPr>
+            <p:ph type="title"/>
+          </p:nvPr>
+        </p:nvSpPr>
+        <p:spPr/>
+        <p:txBody>
+          <a:bodyPr/>
+          <a:lstStyle/>
+          <a:p>
+            <a:r>
+              <a:rPr lang="fr-FR" dirty="0" smtClean="0"/>
+              <a:t>RS232</a:t>
+            </a:r>
+            <a:endParaRPr lang="fr-FR" dirty="0"/>
+          </a:p>
+        </p:txBody>
+      </p:sp>
+      <p:sp>
+        <p:nvSpPr>
+          <p:cNvPr id="3" name="Espace réservé du contenu 2"/>
+          <p:cNvSpPr>
+            <a:spLocks noGrp="1"/>
+          </p:cNvSpPr>
+          <p:nvPr>
+            <p:ph idx="1"/>
+          </p:nvPr>
+        </p:nvSpPr>
+        <p:spPr/>
+        <p:txBody>
+          <a:bodyPr/>
+          <a:lstStyle/>
+          <a:p>
+            <a:r>
+              <a:rPr lang="fr-FR" dirty="0" smtClean="0"/>
+              <a:t>Le composant RS232 permet d'ajouter une interface série RS232</a:t>
+            </a:r>
+          </a:p>
+          <a:p>
+            <a:r>
+              <a:rPr lang="fr-FR" dirty="0" smtClean="0"/>
+              <a:t>Utilise par défaut les ports UART</a:t>
+            </a:r>
+          </a:p>
+          <a:p>
+            <a:r>
+              <a:rPr lang="fr-FR" dirty="0" smtClean="0"/>
+              <a:t>Peux fonctionner avec d'autres ports via des </a:t>
+            </a:r>
+            <a:r>
+              <a:rPr lang="fr-FR" dirty="0" err="1" smtClean="0"/>
+              <a:t>jumpers</a:t>
+            </a:r>
+            <a:endParaRPr lang="fr-FR" dirty="0" smtClean="0"/>
+          </a:p>
+          <a:p>
+            <a:pPr lvl="1"/>
+            <a:r>
+              <a:rPr lang="fr-FR" dirty="0" smtClean="0"/>
+              <a:t>Nécessite alors </a:t>
+            </a:r>
+            <a:r>
+              <a:rPr lang="fr-FR" dirty="0" err="1" smtClean="0"/>
+              <a:t>SoftwareSerial</a:t>
+            </a:r>
+            <a:endParaRPr lang="fr-FR" dirty="0" smtClean="0"/>
+          </a:p>
+          <a:p>
+            <a:endParaRPr lang="fr-FR" dirty="0"/>
+          </a:p>
+        </p:txBody>
+      </p:sp>
+      <p:pic>
+        <p:nvPicPr>
+          <p:cNvPr id="4" name="Image 3" descr="https://joy-it.net/files/files/Produkte/ARD-RS232/ARD-RS232-01.png"/>
+          <p:cNvPicPr/>
+          <p:nvPr/>
+        </p:nvPicPr>
+        <p:blipFill>
+          <a:blip r:embed="rId2" cstate="print">
+            <a:extLst>
+              <a:ext uri="{28A0092B-C50C-407E-A947-70E740481C1C}">
+                <a14:useLocalDpi xmlns:a14="http://schemas.microsoft.com/office/drawing/2010/main" val="0"/>
+              </a:ext>
+            </a:extLst>
+          </a:blip>
+          <a:srcRect/>
+          <a:stretch>
+            <a:fillRect/>
+          </a:stretch>
+        </p:blipFill>
+        <p:spPr bwMode="auto">
+          <a:xfrm>
+            <a:off x="6640998" y="3356992"/>
             <a:ext cx="2304296" cy="2808352"/>
           </a:xfrm>
           <a:prstGeom prst="rect">
@@ -4040,43 +5754,168 @@
           </a:ln>
         </p:spPr>
       </p:pic>
+    </p:spTree>
+    <p:extLst>
+      <p:ext uri="{BB962C8B-B14F-4D97-AF65-F5344CB8AC3E}">
+        <p14:creationId xmlns:p14="http://schemas.microsoft.com/office/powerpoint/2010/main" val="1193275846"/>
+      </p:ext>
+    </p:extLst>
+  </p:cSld>
+  <p:clrMapOvr>
+    <a:masterClrMapping/>
+  </p:clrMapOvr>
+</p:sld>
+</file>
+
+<file path=ppt/slides/slide9.xml><?xml version="1.0" encoding="utf-8"?>
+<p:sld xmlns:a="http://schemas.openxmlformats.org/drawingml/2006/main" xmlns:r="http://schemas.openxmlformats.org/officeDocument/2006/relationships" xmlns:p="http://schemas.openxmlformats.org/presentationml/2006/main">
+  <p:cSld>
+    <p:spTree>
+      <p:nvGrpSpPr>
+        <p:cNvPr id="1" name=""/>
+        <p:cNvGrpSpPr/>
+        <p:nvPr/>
+      </p:nvGrpSpPr>
+      <p:grpSpPr>
+        <a:xfrm>
+          <a:off x="0" y="0"/>
+          <a:ext cx="0" cy="0"/>
+          <a:chOff x="0" y="0"/>
+          <a:chExt cx="0" cy="0"/>
+        </a:xfrm>
+      </p:grpSpPr>
+      <p:sp>
+        <p:nvSpPr>
+          <p:cNvPr id="2" name="Titre 1"/>
+          <p:cNvSpPr>
+            <a:spLocks noGrp="1"/>
+          </p:cNvSpPr>
+          <p:nvPr>
+            <p:ph type="title"/>
+          </p:nvPr>
+        </p:nvSpPr>
+        <p:spPr/>
+        <p:txBody>
+          <a:bodyPr/>
+          <a:lstStyle/>
+          <a:p>
+            <a:r>
+              <a:rPr lang="fr-FR" dirty="0" err="1" smtClean="0"/>
+              <a:t>Raspberry</a:t>
+            </a:r>
+            <a:r>
+              <a:rPr lang="fr-FR" dirty="0" smtClean="0"/>
+              <a:t> USB</a:t>
+            </a:r>
+            <a:endParaRPr lang="fr-FR" dirty="0"/>
+          </a:p>
+        </p:txBody>
+      </p:sp>
+      <p:sp>
+        <p:nvSpPr>
+          <p:cNvPr id="3" name="Espace réservé du contenu 2"/>
+          <p:cNvSpPr>
+            <a:spLocks noGrp="1"/>
+          </p:cNvSpPr>
+          <p:nvPr>
+            <p:ph idx="1"/>
+          </p:nvPr>
+        </p:nvSpPr>
+        <p:spPr/>
+        <p:txBody>
+          <a:bodyPr/>
+          <a:lstStyle/>
+          <a:p>
+            <a:r>
+              <a:rPr lang="fr-FR" dirty="0" smtClean="0"/>
+              <a:t>La bibliothèque </a:t>
+            </a:r>
+            <a:r>
+              <a:rPr lang="fr-FR" dirty="0" err="1" smtClean="0"/>
+              <a:t>PySerial</a:t>
+            </a:r>
+            <a:r>
+              <a:rPr lang="fr-FR" dirty="0" smtClean="0"/>
+              <a:t> permet de dialoguer avec les ports USB</a:t>
+            </a:r>
+          </a:p>
+          <a:p>
+            <a:pPr lvl="1"/>
+            <a:r>
+              <a:rPr lang="fr-FR" dirty="0" smtClean="0"/>
+              <a:t>N'utilise pas l'UART qui est dédié au Bluetooth</a:t>
+            </a:r>
+          </a:p>
+          <a:p>
+            <a:pPr lvl="1"/>
+            <a:r>
+              <a:rPr lang="fr-FR" dirty="0" smtClean="0"/>
+              <a:t>Pour connaitre les ports USB il faut se rendre dans le répertoire /</a:t>
+            </a:r>
+            <a:r>
+              <a:rPr lang="fr-FR" dirty="0" err="1" smtClean="0"/>
+              <a:t>dev</a:t>
+            </a:r>
+            <a:endParaRPr lang="fr-FR" dirty="0" smtClean="0"/>
+          </a:p>
+          <a:p>
+            <a:pPr lvl="1"/>
+            <a:r>
+              <a:rPr lang="fr-FR" dirty="0" smtClean="0"/>
+              <a:t>Généralement /</a:t>
+            </a:r>
+            <a:r>
+              <a:rPr lang="fr-FR" dirty="0" err="1" smtClean="0"/>
+              <a:t>dev</a:t>
+            </a:r>
+            <a:r>
+              <a:rPr lang="fr-FR" dirty="0" smtClean="0"/>
+              <a:t>/ttyUSB0</a:t>
+            </a:r>
+          </a:p>
+          <a:p>
+            <a:r>
+              <a:rPr lang="fr-FR" dirty="0" smtClean="0"/>
+              <a:t>La commande </a:t>
+            </a:r>
+            <a:r>
+              <a:rPr lang="fr-FR" dirty="0" err="1" smtClean="0"/>
+              <a:t>lsusb</a:t>
+            </a:r>
+            <a:r>
+              <a:rPr lang="fr-FR" dirty="0" smtClean="0"/>
+              <a:t> permet de lister les </a:t>
+            </a:r>
+            <a:r>
+              <a:rPr lang="fr-FR" dirty="0" err="1" smtClean="0"/>
+              <a:t>devices</a:t>
+            </a:r>
+            <a:r>
+              <a:rPr lang="fr-FR" dirty="0" smtClean="0"/>
+              <a:t> connectées</a:t>
+            </a:r>
+          </a:p>
+          <a:p>
+            <a:pPr lvl="1"/>
+            <a:endParaRPr lang="fr-FR" dirty="0" smtClean="0"/>
+          </a:p>
+        </p:txBody>
+      </p:sp>
       <p:pic>
         <p:nvPicPr>
-          <p:cNvPr id="8" name="Image 7"/>
+          <p:cNvPr id="4" name="Image 3"/>
           <p:cNvPicPr/>
           <p:nvPr/>
         </p:nvPicPr>
         <p:blipFill>
-          <a:blip r:embed="rId7"/>
+          <a:blip r:embed="rId2"/>
           <a:stretch>
             <a:fillRect/>
           </a:stretch>
         </p:blipFill>
         <p:spPr>
           <a:xfrm>
-            <a:off x="4072087" y="914948"/>
-            <a:ext cx="2293158" cy="1959297"/>
-          </a:xfrm>
-          <a:prstGeom prst="rect">
-            <a:avLst/>
-          </a:prstGeom>
-        </p:spPr>
-      </p:pic>
-      <p:pic>
-        <p:nvPicPr>
-          <p:cNvPr id="9" name="Image 8"/>
-          <p:cNvPicPr/>
-          <p:nvPr/>
-        </p:nvPicPr>
-        <p:blipFill>
-          <a:blip r:embed="rId8"/>
-          <a:stretch>
-            <a:fillRect/>
-          </a:stretch>
-        </p:blipFill>
-        <p:spPr>
-          <a:xfrm>
-            <a:off x="2222237" y="4526915"/>
+            <a:off x="3383280" y="4538901"/>
             <a:ext cx="5760720" cy="2331085"/>
           </a:xfrm>
           <a:prstGeom prst="rect">
@@ -4087,7 +5926,7 @@
     </p:spTree>
     <p:extLst>
       <p:ext uri="{BB962C8B-B14F-4D97-AF65-F5344CB8AC3E}">
-        <p14:creationId xmlns:p14="http://schemas.microsoft.com/office/powerpoint/2010/main" val="3953937335"/>
+        <p14:creationId xmlns:p14="http://schemas.microsoft.com/office/powerpoint/2010/main" val="2999117125"/>
       </p:ext>
     </p:extLst>
   </p:cSld>

--- a/ppt/IoT08-Wire.pptx
+++ b/ppt/IoT08-Wire.pptx
@@ -3977,11 +3977,15 @@
             </a:r>
             <a:r>
               <a:rPr lang="en-US" dirty="0" smtClean="0"/>
-              <a:t> </a:t>
-            </a:r>
-            <a:r>
-              <a:rPr lang="en-US" smtClean="0"/>
-              <a:t>/dev/ttyUSB0 -d 9600</a:t>
+              <a:t> /</a:t>
+            </a:r>
+            <a:r>
+              <a:rPr lang="en-US" dirty="0" smtClean="0"/>
+              <a:t>dev/ttyACM0 -b </a:t>
+            </a:r>
+            <a:r>
+              <a:rPr lang="en-US" dirty="0" smtClean="0"/>
+              <a:t>9600</a:t>
             </a:r>
             <a:endParaRPr lang="fr-FR" dirty="0"/>
           </a:p>
@@ -3997,6 +4001,13 @@
   <p:clrMapOvr>
     <a:masterClrMapping/>
   </p:clrMapOvr>
+  <p:timing>
+    <p:tnLst>
+      <p:par>
+        <p:cTn id="1" dur="indefinite" restart="never" nodeType="tmRoot"/>
+      </p:par>
+    </p:tnLst>
+  </p:timing>
 </p:sld>
 </file>
 
@@ -4177,11 +4188,19 @@
             </a:r>
             <a:r>
               <a:rPr lang="fr-FR" sz="2400" dirty="0" smtClean="0"/>
-              <a:t>("Hello\n</a:t>
-            </a:r>
-            <a:r>
-              <a:rPr lang="fr-FR" sz="2400" dirty="0"/>
-              <a:t>").encode</a:t>
+              <a:t>("Hello\</a:t>
+            </a:r>
+            <a:r>
+              <a:rPr lang="fr-FR" sz="2400" dirty="0" err="1" smtClean="0"/>
+              <a:t>n</a:t>
+            </a:r>
+            <a:r>
+              <a:rPr lang="fr-FR" sz="2400" dirty="0" err="1" smtClean="0"/>
+              <a:t>".</a:t>
+            </a:r>
+            <a:r>
+              <a:rPr lang="fr-FR" sz="2400" dirty="0" err="1"/>
+              <a:t>encode</a:t>
             </a:r>
             <a:r>
               <a:rPr lang="fr-FR" sz="2400" dirty="0" smtClean="0"/>
@@ -4228,6 +4247,13 @@
   <p:clrMapOvr>
     <a:masterClrMapping/>
   </p:clrMapOvr>
+  <p:timing>
+    <p:tnLst>
+      <p:par>
+        <p:cTn id="1" dur="indefinite" restart="never" nodeType="tmRoot"/>
+      </p:par>
+    </p:tnLst>
+  </p:timing>
 </p:sld>
 </file>
 
@@ -4366,6 +4392,13 @@
   <p:clrMapOvr>
     <a:masterClrMapping/>
   </p:clrMapOvr>
+  <p:timing>
+    <p:tnLst>
+      <p:par>
+        <p:cTn id="1" dur="indefinite" restart="never" nodeType="tmRoot"/>
+      </p:par>
+    </p:tnLst>
+  </p:timing>
 </p:sld>
 </file>
 
@@ -4612,6 +4645,13 @@
   <p:clrMapOvr>
     <a:masterClrMapping/>
   </p:clrMapOvr>
+  <p:timing>
+    <p:tnLst>
+      <p:par>
+        <p:cTn id="1" dur="indefinite" restart="never" nodeType="tmRoot"/>
+      </p:par>
+    </p:tnLst>
+  </p:timing>
 </p:sld>
 </file>
 
@@ -4768,7 +4808,7 @@
           <a:graphicData uri="http://schemas.openxmlformats.org/presentationml/2006/ole">
             <mc:AlternateContent xmlns:mc="http://schemas.openxmlformats.org/markup-compatibility/2006">
               <mc:Choice xmlns:v="urn:schemas-microsoft-com:vml" Requires="v">
-                <p:oleObj spid="_x0000_s3086" r:id="rId3" imgW="8646363" imgH="4788816" progId="Unknown">
+                <p:oleObj spid="_x0000_s3090" r:id="rId3" imgW="8646363" imgH="4788816" progId="Unknown">
                   <p:embed/>
                 </p:oleObj>
               </mc:Choice>
@@ -4823,6 +4863,13 @@
   <p:clrMapOvr>
     <a:masterClrMapping/>
   </p:clrMapOvr>
+  <p:timing>
+    <p:tnLst>
+      <p:par>
+        <p:cTn id="1" dur="indefinite" restart="never" nodeType="tmRoot"/>
+      </p:par>
+    </p:tnLst>
+  </p:timing>
 </p:sld>
 </file>
 
@@ -4935,6 +4982,13 @@
   <p:clrMapOvr>
     <a:masterClrMapping/>
   </p:clrMapOvr>
+  <p:timing>
+    <p:tnLst>
+      <p:par>
+        <p:cTn id="1" dur="indefinite" restart="never" nodeType="tmRoot"/>
+      </p:par>
+    </p:tnLst>
+  </p:timing>
 </p:sld>
 </file>
 
@@ -5144,6 +5198,13 @@
   <p:clrMapOvr>
     <a:masterClrMapping/>
   </p:clrMapOvr>
+  <p:timing>
+    <p:tnLst>
+      <p:par>
+        <p:cTn id="1" dur="indefinite" restart="never" nodeType="tmRoot"/>
+      </p:par>
+    </p:tnLst>
+  </p:timing>
 </p:sld>
 </file>
 
@@ -5320,6 +5381,13 @@
   <p:clrMapOvr>
     <a:masterClrMapping/>
   </p:clrMapOvr>
+  <p:timing>
+    <p:tnLst>
+      <p:par>
+        <p:cTn id="1" dur="indefinite" restart="never" nodeType="tmRoot"/>
+      </p:par>
+    </p:tnLst>
+  </p:timing>
 </p:sld>
 </file>
 
@@ -5449,6 +5517,13 @@
   <p:clrMapOvr>
     <a:masterClrMapping/>
   </p:clrMapOvr>
+  <p:timing>
+    <p:tnLst>
+      <p:par>
+        <p:cTn id="1" dur="indefinite" restart="never" nodeType="tmRoot"/>
+      </p:par>
+    </p:tnLst>
+  </p:timing>
 </p:sld>
 </file>
 
@@ -5513,11 +5588,15 @@
             </a:r>
             <a:r>
               <a:rPr lang="fr-FR" dirty="0" err="1" smtClean="0"/>
-              <a:t>SofwateSerial</a:t>
-            </a:r>
-            <a:r>
-              <a:rPr lang="fr-FR" dirty="0" smtClean="0"/>
-              <a:t> permet de communiquer en série sans passer par l'UART</a:t>
+              <a:t>SoftwareSerial</a:t>
+            </a:r>
+            <a:r>
+              <a:rPr lang="fr-FR" dirty="0" smtClean="0"/>
+              <a:t> </a:t>
+            </a:r>
+            <a:r>
+              <a:rPr lang="fr-FR" dirty="0" smtClean="0"/>
+              <a:t>permet de communiquer en série sans passer par l'UART</a:t>
             </a:r>
           </a:p>
           <a:p>
@@ -5624,6 +5703,13 @@
   <p:clrMapOvr>
     <a:masterClrMapping/>
   </p:clrMapOvr>
+  <p:timing>
+    <p:tnLst>
+      <p:par>
+        <p:cTn id="1" dur="indefinite" restart="never" nodeType="tmRoot"/>
+      </p:par>
+    </p:tnLst>
+  </p:timing>
 </p:sld>
 </file>
 
@@ -5764,6 +5850,13 @@
   <p:clrMapOvr>
     <a:masterClrMapping/>
   </p:clrMapOvr>
+  <p:timing>
+    <p:tnLst>
+      <p:par>
+        <p:cTn id="1" dur="indefinite" restart="never" nodeType="tmRoot"/>
+      </p:par>
+    </p:tnLst>
+  </p:timing>
 </p:sld>
 </file>
 
@@ -5933,6 +6026,13 @@
   <p:clrMapOvr>
     <a:masterClrMapping/>
   </p:clrMapOvr>
+  <p:timing>
+    <p:tnLst>
+      <p:par>
+        <p:cTn id="1" dur="indefinite" restart="never" nodeType="tmRoot"/>
+      </p:par>
+    </p:tnLst>
+  </p:timing>
 </p:sld>
 </file>
 

--- a/ppt/IoT08-Wire.pptx
+++ b/ppt/IoT08-Wire.pptx
@@ -616,35 +616,35 @@
           <a:p>
             <a:pPr lvl="0"/>
             <a:r>
-              <a:rPr lang="fr-FR" noProof="0" smtClean="0"/>
+              <a:rPr lang="fr-FR" noProof="0"/>
               <a:t>Cliquez pour modifier les styles du texte du masque</a:t>
             </a:r>
           </a:p>
           <a:p>
             <a:pPr lvl="1"/>
             <a:r>
-              <a:rPr lang="fr-FR" noProof="0" smtClean="0"/>
+              <a:rPr lang="fr-FR" noProof="0"/>
               <a:t>Deuxième niveau</a:t>
             </a:r>
           </a:p>
           <a:p>
             <a:pPr lvl="2"/>
             <a:r>
-              <a:rPr lang="fr-FR" noProof="0" smtClean="0"/>
+              <a:rPr lang="fr-FR" noProof="0"/>
               <a:t>Troisième niveau</a:t>
             </a:r>
           </a:p>
           <a:p>
             <a:pPr lvl="3"/>
             <a:r>
-              <a:rPr lang="fr-FR" noProof="0" smtClean="0"/>
+              <a:rPr lang="fr-FR" noProof="0"/>
               <a:t>Quatrième niveau</a:t>
             </a:r>
           </a:p>
           <a:p>
             <a:pPr lvl="4"/>
             <a:r>
-              <a:rPr lang="fr-FR" noProof="0" smtClean="0"/>
+              <a:rPr lang="fr-FR" noProof="0"/>
               <a:t>Cinquième niveau</a:t>
             </a:r>
           </a:p>
@@ -966,10 +966,9 @@
               <a:defRPr/>
             </a:pPr>
             <a:r>
-              <a:rPr lang="fr-FR" smtClean="0"/>
+              <a:rPr lang="fr-FR"/>
               <a:t>© HANDSHAKE - Philippe MASINA</a:t>
             </a:r>
-            <a:endParaRPr lang="fr-FR"/>
           </a:p>
         </p:txBody>
       </p:sp>
@@ -992,7 +991,7 @@
               <a:defRPr/>
             </a:pPr>
             <a:r>
-              <a:rPr lang="fr-FR" smtClean="0"/>
+              <a:rPr lang="fr-FR"/>
               <a:t>I-</a:t>
             </a:r>
             <a:fld id="{88B410AF-14E7-4D87-8C8E-6E377E0C2388}" type="slidenum">
@@ -1057,10 +1056,9 @@
           <a:lstStyle/>
           <a:p>
             <a:r>
-              <a:rPr lang="fr-FR" smtClean="0"/>
+              <a:rPr lang="fr-FR"/>
               <a:t>Cliquez pour modifier le style du titre</a:t>
             </a:r>
-            <a:endParaRPr lang="fr-FR"/>
           </a:p>
         </p:txBody>
       </p:sp>
@@ -1122,10 +1120,9 @@
           </a:lstStyle>
           <a:p>
             <a:r>
-              <a:rPr lang="fr-FR" smtClean="0"/>
+              <a:rPr lang="fr-FR"/>
               <a:t>Cliquez pour modifier le style des sous-titres du masque</a:t>
             </a:r>
-            <a:endParaRPr lang="fr-FR"/>
           </a:p>
         </p:txBody>
       </p:sp>
@@ -1180,10 +1177,9 @@
           <a:lstStyle/>
           <a:p>
             <a:r>
-              <a:rPr lang="fr-FR" smtClean="0"/>
+              <a:rPr lang="fr-FR"/>
               <a:t>Cliquez pour modifier le style du titre</a:t>
             </a:r>
-            <a:endParaRPr lang="fr-FR"/>
           </a:p>
         </p:txBody>
       </p:sp>
@@ -1209,38 +1205,37 @@
           <a:p>
             <a:pPr lvl="0"/>
             <a:r>
-              <a:rPr lang="fr-FR" smtClean="0"/>
+              <a:rPr lang="fr-FR"/>
               <a:t>Cliquez pour modifier les styles du texte du masque</a:t>
             </a:r>
           </a:p>
           <a:p>
             <a:pPr lvl="1"/>
             <a:r>
-              <a:rPr lang="fr-FR" smtClean="0"/>
+              <a:rPr lang="fr-FR"/>
               <a:t>Deuxième niveau</a:t>
             </a:r>
           </a:p>
           <a:p>
             <a:pPr lvl="2"/>
             <a:r>
-              <a:rPr lang="fr-FR" smtClean="0"/>
+              <a:rPr lang="fr-FR"/>
               <a:t>Troisième niveau</a:t>
             </a:r>
           </a:p>
           <a:p>
             <a:pPr lvl="3"/>
             <a:r>
-              <a:rPr lang="fr-FR" smtClean="0"/>
+              <a:rPr lang="fr-FR"/>
               <a:t>Quatrième niveau</a:t>
             </a:r>
           </a:p>
           <a:p>
             <a:pPr lvl="4"/>
             <a:r>
-              <a:rPr lang="fr-FR" smtClean="0"/>
+              <a:rPr lang="fr-FR"/>
               <a:t>Cinquième niveau</a:t>
             </a:r>
-            <a:endParaRPr lang="fr-FR"/>
           </a:p>
         </p:txBody>
       </p:sp>
@@ -1299,10 +1294,9 @@
           </a:lstStyle>
           <a:p>
             <a:r>
-              <a:rPr lang="fr-FR" dirty="0" smtClean="0"/>
+              <a:rPr lang="fr-FR" dirty="0"/>
               <a:t>Cliquez pour modifier le style du titre</a:t>
             </a:r>
-            <a:endParaRPr lang="fr-FR" dirty="0"/>
           </a:p>
         </p:txBody>
       </p:sp>
@@ -1328,38 +1322,37 @@
           <a:p>
             <a:pPr lvl="0"/>
             <a:r>
-              <a:rPr lang="fr-FR" dirty="0" smtClean="0"/>
+              <a:rPr lang="fr-FR" dirty="0"/>
               <a:t>Cliquez pour modifier les styles du texte du masque</a:t>
             </a:r>
           </a:p>
           <a:p>
             <a:pPr lvl="1"/>
             <a:r>
-              <a:rPr lang="fr-FR" dirty="0" smtClean="0"/>
+              <a:rPr lang="fr-FR" dirty="0"/>
               <a:t>Deuxième niveau</a:t>
             </a:r>
           </a:p>
           <a:p>
             <a:pPr lvl="2"/>
             <a:r>
-              <a:rPr lang="fr-FR" dirty="0" smtClean="0"/>
+              <a:rPr lang="fr-FR" dirty="0"/>
               <a:t>Troisième niveau</a:t>
             </a:r>
           </a:p>
           <a:p>
             <a:pPr lvl="3"/>
             <a:r>
-              <a:rPr lang="fr-FR" dirty="0" smtClean="0"/>
+              <a:rPr lang="fr-FR" dirty="0"/>
               <a:t>Quatrième niveau</a:t>
             </a:r>
           </a:p>
           <a:p>
             <a:pPr lvl="4"/>
             <a:r>
-              <a:rPr lang="fr-FR" dirty="0" smtClean="0"/>
+              <a:rPr lang="fr-FR" dirty="0"/>
               <a:t>Cinquième niveau</a:t>
             </a:r>
-            <a:endParaRPr lang="fr-FR" dirty="0"/>
           </a:p>
         </p:txBody>
       </p:sp>
@@ -1409,10 +1402,9 @@
           <a:lstStyle/>
           <a:p>
             <a:r>
-              <a:rPr lang="fr-FR" smtClean="0"/>
+              <a:rPr lang="fr-FR"/>
               <a:t>Cliquez pour modifier le style du titre</a:t>
             </a:r>
-            <a:endParaRPr lang="fr-FR"/>
           </a:p>
         </p:txBody>
       </p:sp>
@@ -1466,38 +1458,37 @@
           <a:p>
             <a:pPr lvl="0"/>
             <a:r>
-              <a:rPr lang="fr-FR" smtClean="0"/>
+              <a:rPr lang="fr-FR"/>
               <a:t>Cliquez pour modifier les styles du texte du masque</a:t>
             </a:r>
           </a:p>
           <a:p>
             <a:pPr lvl="1"/>
             <a:r>
-              <a:rPr lang="fr-FR" smtClean="0"/>
+              <a:rPr lang="fr-FR"/>
               <a:t>Deuxième niveau</a:t>
             </a:r>
           </a:p>
           <a:p>
             <a:pPr lvl="2"/>
             <a:r>
-              <a:rPr lang="fr-FR" smtClean="0"/>
+              <a:rPr lang="fr-FR"/>
               <a:t>Troisième niveau</a:t>
             </a:r>
           </a:p>
           <a:p>
             <a:pPr lvl="3"/>
             <a:r>
-              <a:rPr lang="fr-FR" smtClean="0"/>
+              <a:rPr lang="fr-FR"/>
               <a:t>Quatrième niveau</a:t>
             </a:r>
           </a:p>
           <a:p>
             <a:pPr lvl="4"/>
             <a:r>
-              <a:rPr lang="fr-FR" smtClean="0"/>
+              <a:rPr lang="fr-FR"/>
               <a:t>Cinquième niveau</a:t>
             </a:r>
-            <a:endParaRPr lang="fr-FR"/>
           </a:p>
         </p:txBody>
       </p:sp>
@@ -1551,38 +1542,37 @@
           <a:p>
             <a:pPr lvl="0"/>
             <a:r>
-              <a:rPr lang="fr-FR" smtClean="0"/>
+              <a:rPr lang="fr-FR"/>
               <a:t>Cliquez pour modifier les styles du texte du masque</a:t>
             </a:r>
           </a:p>
           <a:p>
             <a:pPr lvl="1"/>
             <a:r>
-              <a:rPr lang="fr-FR" smtClean="0"/>
+              <a:rPr lang="fr-FR"/>
               <a:t>Deuxième niveau</a:t>
             </a:r>
           </a:p>
           <a:p>
             <a:pPr lvl="2"/>
             <a:r>
-              <a:rPr lang="fr-FR" smtClean="0"/>
+              <a:rPr lang="fr-FR"/>
               <a:t>Troisième niveau</a:t>
             </a:r>
           </a:p>
           <a:p>
             <a:pPr lvl="3"/>
             <a:r>
-              <a:rPr lang="fr-FR" smtClean="0"/>
+              <a:rPr lang="fr-FR"/>
               <a:t>Quatrième niveau</a:t>
             </a:r>
           </a:p>
           <a:p>
             <a:pPr lvl="4"/>
             <a:r>
-              <a:rPr lang="fr-FR" smtClean="0"/>
+              <a:rPr lang="fr-FR"/>
               <a:t>Cinquième niveau</a:t>
             </a:r>
-            <a:endParaRPr lang="fr-FR"/>
           </a:p>
         </p:txBody>
       </p:sp>
@@ -1641,10 +1631,9 @@
           </a:lstStyle>
           <a:p>
             <a:r>
-              <a:rPr lang="fr-FR" smtClean="0"/>
+              <a:rPr lang="fr-FR"/>
               <a:t>Cliquez pour modifier le style du titre</a:t>
             </a:r>
-            <a:endParaRPr lang="fr-FR"/>
           </a:p>
         </p:txBody>
       </p:sp>
@@ -1707,7 +1696,7 @@
           <a:p>
             <a:pPr lvl="0"/>
             <a:r>
-              <a:rPr lang="fr-FR" smtClean="0"/>
+              <a:rPr lang="fr-FR"/>
               <a:t>Cliquez pour modifier les styles du texte du masque</a:t>
             </a:r>
           </a:p>
@@ -1763,38 +1752,37 @@
           <a:p>
             <a:pPr lvl="0"/>
             <a:r>
-              <a:rPr lang="fr-FR" smtClean="0"/>
+              <a:rPr lang="fr-FR"/>
               <a:t>Cliquez pour modifier les styles du texte du masque</a:t>
             </a:r>
           </a:p>
           <a:p>
             <a:pPr lvl="1"/>
             <a:r>
-              <a:rPr lang="fr-FR" smtClean="0"/>
+              <a:rPr lang="fr-FR"/>
               <a:t>Deuxième niveau</a:t>
             </a:r>
           </a:p>
           <a:p>
             <a:pPr lvl="2"/>
             <a:r>
-              <a:rPr lang="fr-FR" smtClean="0"/>
+              <a:rPr lang="fr-FR"/>
               <a:t>Troisième niveau</a:t>
             </a:r>
           </a:p>
           <a:p>
             <a:pPr lvl="3"/>
             <a:r>
-              <a:rPr lang="fr-FR" smtClean="0"/>
+              <a:rPr lang="fr-FR"/>
               <a:t>Quatrième niveau</a:t>
             </a:r>
           </a:p>
           <a:p>
             <a:pPr lvl="4"/>
             <a:r>
-              <a:rPr lang="fr-FR" smtClean="0"/>
+              <a:rPr lang="fr-FR"/>
               <a:t>Cinquième niveau</a:t>
             </a:r>
-            <a:endParaRPr lang="fr-FR"/>
           </a:p>
         </p:txBody>
       </p:sp>
@@ -1857,7 +1845,7 @@
           <a:p>
             <a:pPr lvl="0"/>
             <a:r>
-              <a:rPr lang="fr-FR" smtClean="0"/>
+              <a:rPr lang="fr-FR"/>
               <a:t>Cliquez pour modifier les styles du texte du masque</a:t>
             </a:r>
           </a:p>
@@ -1913,38 +1901,37 @@
           <a:p>
             <a:pPr lvl="0"/>
             <a:r>
-              <a:rPr lang="fr-FR" smtClean="0"/>
+              <a:rPr lang="fr-FR"/>
               <a:t>Cliquez pour modifier les styles du texte du masque</a:t>
             </a:r>
           </a:p>
           <a:p>
             <a:pPr lvl="1"/>
             <a:r>
-              <a:rPr lang="fr-FR" smtClean="0"/>
+              <a:rPr lang="fr-FR"/>
               <a:t>Deuxième niveau</a:t>
             </a:r>
           </a:p>
           <a:p>
             <a:pPr lvl="2"/>
             <a:r>
-              <a:rPr lang="fr-FR" smtClean="0"/>
+              <a:rPr lang="fr-FR"/>
               <a:t>Troisième niveau</a:t>
             </a:r>
           </a:p>
           <a:p>
             <a:pPr lvl="3"/>
             <a:r>
-              <a:rPr lang="fr-FR" smtClean="0"/>
+              <a:rPr lang="fr-FR"/>
               <a:t>Quatrième niveau</a:t>
             </a:r>
           </a:p>
           <a:p>
             <a:pPr lvl="4"/>
             <a:r>
-              <a:rPr lang="fr-FR" smtClean="0"/>
+              <a:rPr lang="fr-FR"/>
               <a:t>Cinquième niveau</a:t>
             </a:r>
-            <a:endParaRPr lang="fr-FR"/>
           </a:p>
         </p:txBody>
       </p:sp>
@@ -1994,10 +1981,9 @@
           <a:lstStyle/>
           <a:p>
             <a:r>
-              <a:rPr lang="fr-FR" smtClean="0"/>
+              <a:rPr lang="fr-FR"/>
               <a:t>Cliquez pour modifier le style du titre</a:t>
             </a:r>
-            <a:endParaRPr lang="fr-FR"/>
           </a:p>
         </p:txBody>
       </p:sp>
@@ -2086,10 +2072,9 @@
           </a:lstStyle>
           <a:p>
             <a:r>
-              <a:rPr lang="fr-FR" smtClean="0"/>
+              <a:rPr lang="fr-FR"/>
               <a:t>Cliquez pour modifier le style du titre</a:t>
             </a:r>
-            <a:endParaRPr lang="fr-FR"/>
           </a:p>
         </p:txBody>
       </p:sp>
@@ -2143,38 +2128,37 @@
           <a:p>
             <a:pPr lvl="0"/>
             <a:r>
-              <a:rPr lang="fr-FR" smtClean="0"/>
+              <a:rPr lang="fr-FR"/>
               <a:t>Cliquez pour modifier les styles du texte du masque</a:t>
             </a:r>
           </a:p>
           <a:p>
             <a:pPr lvl="1"/>
             <a:r>
-              <a:rPr lang="fr-FR" smtClean="0"/>
+              <a:rPr lang="fr-FR"/>
               <a:t>Deuxième niveau</a:t>
             </a:r>
           </a:p>
           <a:p>
             <a:pPr lvl="2"/>
             <a:r>
-              <a:rPr lang="fr-FR" smtClean="0"/>
+              <a:rPr lang="fr-FR"/>
               <a:t>Troisième niveau</a:t>
             </a:r>
           </a:p>
           <a:p>
             <a:pPr lvl="3"/>
             <a:r>
-              <a:rPr lang="fr-FR" smtClean="0"/>
+              <a:rPr lang="fr-FR"/>
               <a:t>Quatrième niveau</a:t>
             </a:r>
           </a:p>
           <a:p>
             <a:pPr lvl="4"/>
             <a:r>
-              <a:rPr lang="fr-FR" smtClean="0"/>
+              <a:rPr lang="fr-FR"/>
               <a:t>Cinquième niveau</a:t>
             </a:r>
-            <a:endParaRPr lang="fr-FR"/>
           </a:p>
         </p:txBody>
       </p:sp>
@@ -2237,7 +2221,7 @@
           <a:p>
             <a:pPr lvl="0"/>
             <a:r>
-              <a:rPr lang="fr-FR" smtClean="0"/>
+              <a:rPr lang="fr-FR"/>
               <a:t>Cliquez pour modifier les styles du texte du masque</a:t>
             </a:r>
           </a:p>
@@ -2298,10 +2282,9 @@
           </a:lstStyle>
           <a:p>
             <a:r>
-              <a:rPr lang="fr-FR" smtClean="0"/>
+              <a:rPr lang="fr-FR"/>
               <a:t>Cliquez pour modifier le style du titre</a:t>
             </a:r>
-            <a:endParaRPr lang="fr-FR"/>
           </a:p>
         </p:txBody>
       </p:sp>
@@ -2363,7 +2346,7 @@
           </a:lstStyle>
           <a:p>
             <a:pPr lvl="0"/>
-            <a:endParaRPr lang="fr-FR" noProof="0" smtClean="0"/>
+            <a:endParaRPr lang="fr-FR" noProof="0"/>
           </a:p>
         </p:txBody>
       </p:sp>
@@ -2426,7 +2409,7 @@
           <a:p>
             <a:pPr lvl="0"/>
             <a:r>
-              <a:rPr lang="fr-FR" smtClean="0"/>
+              <a:rPr lang="fr-FR"/>
               <a:t>Cliquez pour modifier les styles du texte du masque</a:t>
             </a:r>
           </a:p>
@@ -2478,10 +2461,9 @@
           <a:lstStyle/>
           <a:p>
             <a:r>
-              <a:rPr lang="fr-FR" smtClean="0"/>
+              <a:rPr lang="fr-FR"/>
               <a:t>Cliquez pour modifier le style du titre</a:t>
             </a:r>
-            <a:endParaRPr lang="fr-FR"/>
           </a:p>
         </p:txBody>
       </p:sp>
@@ -2502,38 +2484,37 @@
           <a:p>
             <a:pPr lvl="0"/>
             <a:r>
-              <a:rPr lang="fr-FR" smtClean="0"/>
+              <a:rPr lang="fr-FR"/>
               <a:t>Cliquez pour modifier les styles du texte du masque</a:t>
             </a:r>
           </a:p>
           <a:p>
             <a:pPr lvl="1"/>
             <a:r>
-              <a:rPr lang="fr-FR" smtClean="0"/>
+              <a:rPr lang="fr-FR"/>
               <a:t>Deuxième niveau</a:t>
             </a:r>
           </a:p>
           <a:p>
             <a:pPr lvl="2"/>
             <a:r>
-              <a:rPr lang="fr-FR" smtClean="0"/>
+              <a:rPr lang="fr-FR"/>
               <a:t>Troisième niveau</a:t>
             </a:r>
           </a:p>
           <a:p>
             <a:pPr lvl="3"/>
             <a:r>
-              <a:rPr lang="fr-FR" smtClean="0"/>
+              <a:rPr lang="fr-FR"/>
               <a:t>Quatrième niveau</a:t>
             </a:r>
           </a:p>
           <a:p>
             <a:pPr lvl="4"/>
             <a:r>
-              <a:rPr lang="fr-FR" smtClean="0"/>
+              <a:rPr lang="fr-FR"/>
               <a:t>Cinquième niveau</a:t>
             </a:r>
-            <a:endParaRPr lang="fr-FR"/>
           </a:p>
         </p:txBody>
       </p:sp>
@@ -2714,7 +2695,7 @@
             <a:pPr eaLnBrk="1" hangingPunct="1">
               <a:defRPr/>
             </a:pPr>
-            <a:endParaRPr lang="fr-FR" altLang="fr-FR" smtClean="0"/>
+            <a:endParaRPr lang="fr-FR" altLang="fr-FR"/>
           </a:p>
         </p:txBody>
       </p:sp>
@@ -2868,7 +2849,7 @@
               <a:defRPr/>
             </a:pPr>
             <a:r>
-              <a:rPr lang="fr-FR" sz="1200" dirty="0" smtClean="0"/>
+              <a:rPr lang="fr-FR" sz="1200" dirty="0"/>
               <a:t>Page </a:t>
             </a:r>
             <a:fld id="{E218E9B1-FD08-4C80-902E-210BA2967D0D}" type="slidenum">
@@ -2881,7 +2862,7 @@
               </a:pPr>
               <a:t>‹N°›</a:t>
             </a:fld>
-            <a:endParaRPr lang="fr-FR" dirty="0" smtClean="0">
+            <a:endParaRPr lang="fr-FR" dirty="0">
               <a:latin typeface="Times New Roman" pitchFamily="18" charset="0"/>
             </a:endParaRPr>
           </a:p>
@@ -3037,10 +3018,10 @@
               <a:defRPr/>
             </a:pPr>
             <a:r>
-              <a:rPr lang="fr-FR" sz="1600" dirty="0" err="1" smtClean="0"/>
+              <a:rPr lang="fr-FR" sz="1600" dirty="0" err="1"/>
               <a:t>IoT</a:t>
             </a:r>
-            <a:endParaRPr lang="fr-FR" dirty="0" smtClean="0">
+            <a:endParaRPr lang="fr-FR" dirty="0">
               <a:latin typeface="Times New Roman" pitchFamily="18" charset="0"/>
             </a:endParaRPr>
           </a:p>
@@ -3098,7 +3079,7 @@
           <a:p>
             <a:pPr lvl="0"/>
             <a:r>
-              <a:rPr lang="fr-FR" altLang="fr-FR" smtClean="0"/>
+              <a:rPr lang="fr-FR" altLang="fr-FR"/>
               <a:t>Cliquez pour modifier le style du titre du masque</a:t>
             </a:r>
           </a:p>
@@ -3156,35 +3137,35 @@
           <a:p>
             <a:pPr lvl="0"/>
             <a:r>
-              <a:rPr lang="fr-FR" altLang="fr-FR" smtClean="0"/>
+              <a:rPr lang="fr-FR" altLang="fr-FR"/>
               <a:t>Cliquez pour modifier les styles du texte du masque</a:t>
             </a:r>
           </a:p>
           <a:p>
             <a:pPr lvl="1"/>
             <a:r>
-              <a:rPr lang="fr-FR" altLang="fr-FR" smtClean="0"/>
+              <a:rPr lang="fr-FR" altLang="fr-FR"/>
               <a:t>Deuxième niveau</a:t>
             </a:r>
           </a:p>
           <a:p>
             <a:pPr lvl="2"/>
             <a:r>
-              <a:rPr lang="fr-FR" altLang="fr-FR" smtClean="0"/>
+              <a:rPr lang="fr-FR" altLang="fr-FR"/>
               <a:t>Troisième niveau</a:t>
             </a:r>
           </a:p>
           <a:p>
             <a:pPr lvl="3"/>
             <a:r>
-              <a:rPr lang="fr-FR" altLang="fr-FR" smtClean="0"/>
+              <a:rPr lang="fr-FR" altLang="fr-FR"/>
               <a:t>Quatrième niveau</a:t>
             </a:r>
           </a:p>
           <a:p>
             <a:pPr lvl="4"/>
             <a:r>
-              <a:rPr lang="fr-FR" altLang="fr-FR" smtClean="0"/>
+              <a:rPr lang="fr-FR" altLang="fr-FR"/>
               <a:t>Cinquième niveau</a:t>
             </a:r>
           </a:p>
@@ -3340,10 +3321,10 @@
               <a:defRPr/>
             </a:pPr>
             <a:r>
-              <a:rPr lang="fr-FR" sz="1200" smtClean="0"/>
+              <a:rPr lang="fr-FR" sz="1200"/>
               <a:t>© Cyril Vincent Conseil</a:t>
             </a:r>
-            <a:endParaRPr lang="fr-FR" smtClean="0">
+            <a:endParaRPr lang="fr-FR">
               <a:latin typeface="Times New Roman" pitchFamily="18" charset="0"/>
             </a:endParaRPr>
           </a:p>
@@ -3830,10 +3811,10 @@
           <a:p>
             <a:pPr eaLnBrk="1" hangingPunct="1"/>
             <a:r>
-              <a:rPr lang="fr-FR" altLang="fr-FR" dirty="0" err="1" smtClean="0"/>
+              <a:rPr lang="fr-FR" altLang="fr-FR" dirty="0" err="1"/>
               <a:t>IoT</a:t>
             </a:r>
-            <a:endParaRPr lang="fr-FR" altLang="fr-FR" dirty="0" smtClean="0"/>
+            <a:endParaRPr lang="fr-FR" altLang="fr-FR" dirty="0"/>
           </a:p>
           <a:p>
             <a:pPr eaLnBrk="1" hangingPunct="1"/>
@@ -3842,14 +3823,14 @@
           <a:p>
             <a:pPr eaLnBrk="1" hangingPunct="1"/>
             <a:r>
-              <a:rPr lang="fr-FR" altLang="fr-FR" dirty="0" smtClean="0"/>
+              <a:rPr lang="fr-FR" altLang="fr-FR" dirty="0"/>
               <a:t>Chapitre 8</a:t>
             </a:r>
           </a:p>
           <a:p>
             <a:pPr eaLnBrk="1" hangingPunct="1"/>
             <a:r>
-              <a:rPr lang="fr-FR" altLang="fr-FR" dirty="0" smtClean="0"/>
+              <a:rPr lang="fr-FR" altLang="fr-FR" dirty="0"/>
               <a:t>Les communications filaires</a:t>
             </a:r>
           </a:p>
@@ -3860,13 +3841,6 @@
   <p:clrMapOvr>
     <a:masterClrMapping/>
   </p:clrMapOvr>
-  <p:timing>
-    <p:tnLst>
-      <p:par>
-        <p:cTn id="1" dur="indefinite" restart="never" nodeType="tmRoot"/>
-      </p:par>
-    </p:tnLst>
-  </p:timing>
 </p:sld>
 </file>
 
@@ -3903,10 +3877,9 @@
           <a:lstStyle/>
           <a:p>
             <a:r>
-              <a:rPr lang="fr-FR" dirty="0" smtClean="0"/>
+              <a:rPr lang="fr-FR" dirty="0"/>
               <a:t>TIO</a:t>
             </a:r>
-            <a:endParaRPr lang="fr-FR" dirty="0"/>
           </a:p>
         </p:txBody>
       </p:sp>
@@ -3931,20 +3904,15 @@
             </a:r>
             <a:r>
               <a:rPr lang="fr-FR" dirty="0"/>
-              <a:t> est un petit client </a:t>
-            </a:r>
-            <a:r>
-              <a:rPr lang="fr-FR" dirty="0" smtClean="0"/>
-              <a:t>série</a:t>
+              <a:t> est un petit client série</a:t>
             </a:r>
           </a:p>
           <a:p>
             <a:pPr lvl="1"/>
             <a:r>
-              <a:rPr lang="fr-FR" dirty="0" smtClean="0"/>
+              <a:rPr lang="fr-FR" dirty="0"/>
               <a:t>permet de tester les liaisons</a:t>
             </a:r>
-            <a:endParaRPr lang="fr-FR" dirty="0"/>
           </a:p>
           <a:p>
             <a:pPr lvl="1"/>
@@ -3957,35 +3925,27 @@
               <a:t> apt-get install </a:t>
             </a:r>
             <a:r>
-              <a:rPr lang="en-US" dirty="0" err="1" smtClean="0"/>
+              <a:rPr lang="en-US" dirty="0" err="1"/>
               <a:t>tio</a:t>
             </a:r>
-            <a:endParaRPr lang="en-US" dirty="0" smtClean="0"/>
-          </a:p>
-          <a:p>
-            <a:r>
-              <a:rPr lang="en-US" dirty="0" err="1" smtClean="0"/>
+            <a:endParaRPr lang="en-US" dirty="0"/>
+          </a:p>
+          <a:p>
+            <a:r>
+              <a:rPr lang="en-US" dirty="0" err="1"/>
               <a:t>Exemple</a:t>
             </a:r>
-            <a:endParaRPr lang="en-US" dirty="0" smtClean="0"/>
+            <a:endParaRPr lang="en-US" dirty="0"/>
           </a:p>
           <a:p>
             <a:pPr lvl="1"/>
             <a:r>
-              <a:rPr lang="en-US" dirty="0" err="1" smtClean="0"/>
+              <a:rPr lang="en-US" dirty="0" err="1"/>
               <a:t>tio</a:t>
             </a:r>
             <a:r>
-              <a:rPr lang="en-US" dirty="0" smtClean="0"/>
-              <a:t> /</a:t>
-            </a:r>
-            <a:r>
-              <a:rPr lang="en-US" dirty="0" smtClean="0"/>
-              <a:t>dev/ttyACM0 -b </a:t>
-            </a:r>
-            <a:r>
-              <a:rPr lang="en-US" dirty="0" smtClean="0"/>
-              <a:t>9600</a:t>
+              <a:rPr lang="en-US" dirty="0"/>
+              <a:t> /dev/ttyACM0 -b 9600</a:t>
             </a:r>
             <a:endParaRPr lang="fr-FR" dirty="0"/>
           </a:p>
@@ -4001,13 +3961,6 @@
   <p:clrMapOvr>
     <a:masterClrMapping/>
   </p:clrMapOvr>
-  <p:timing>
-    <p:tnLst>
-      <p:par>
-        <p:cTn id="1" dur="indefinite" restart="never" nodeType="tmRoot"/>
-      </p:par>
-    </p:tnLst>
-  </p:timing>
 </p:sld>
 </file>
 
@@ -4044,10 +3997,9 @@
           <a:lstStyle/>
           <a:p>
             <a:r>
-              <a:rPr lang="fr-FR" dirty="0" smtClean="0"/>
+              <a:rPr lang="fr-FR" dirty="0"/>
               <a:t>Exemple Python - USB</a:t>
             </a:r>
-            <a:endParaRPr lang="fr-FR" dirty="0"/>
           </a:p>
         </p:txBody>
       </p:sp>
@@ -4073,147 +4025,128 @@
           </a:p>
           <a:p>
             <a:r>
-              <a:rPr lang="fr-FR" sz="2400" dirty="0" err="1" smtClean="0"/>
+              <a:rPr lang="fr-FR" sz="2400" dirty="0" err="1"/>
               <a:t>sock</a:t>
             </a:r>
             <a:r>
-              <a:rPr lang="fr-FR" sz="2400" dirty="0" smtClean="0"/>
-              <a:t> </a:t>
-            </a:r>
-            <a:r>
               <a:rPr lang="fr-FR" sz="2400" dirty="0"/>
-              <a:t>= </a:t>
-            </a:r>
-            <a:r>
-              <a:rPr lang="fr-FR" sz="2400" dirty="0" err="1" smtClean="0"/>
+              <a:t> = </a:t>
+            </a:r>
+            <a:r>
+              <a:rPr lang="fr-FR" sz="2400" dirty="0" err="1"/>
               <a:t>serial.Serial</a:t>
             </a:r>
             <a:r>
-              <a:rPr lang="fr-FR" sz="2400" dirty="0" smtClean="0"/>
+              <a:rPr lang="fr-FR" sz="2400" dirty="0"/>
               <a:t>("/</a:t>
             </a:r>
             <a:r>
-              <a:rPr lang="fr-FR" sz="2400" dirty="0" err="1" smtClean="0"/>
+              <a:rPr lang="fr-FR" sz="2400" dirty="0" err="1"/>
               <a:t>dev</a:t>
             </a:r>
             <a:r>
-              <a:rPr lang="fr-FR" sz="2400" dirty="0" smtClean="0"/>
+              <a:rPr lang="fr-FR" sz="2400" dirty="0"/>
               <a:t>/ttyUSB0")</a:t>
             </a:r>
-            <a:endParaRPr lang="fr-FR" sz="2400" dirty="0"/>
           </a:p>
           <a:p>
             <a:pPr lvl="1"/>
             <a:r>
-              <a:rPr lang="fr-FR" sz="2000" dirty="0" smtClean="0"/>
+              <a:rPr lang="fr-FR" sz="2000" dirty="0"/>
               <a:t>Ouvre la connexion série</a:t>
             </a:r>
           </a:p>
           <a:p>
             <a:r>
-              <a:rPr lang="fr-FR" sz="2400" dirty="0" smtClean="0"/>
+              <a:rPr lang="fr-FR" sz="2400" dirty="0"/>
               <a:t>s = </a:t>
             </a:r>
             <a:r>
-              <a:rPr lang="fr-FR" sz="2400" dirty="0" err="1" smtClean="0"/>
+              <a:rPr lang="fr-FR" sz="2400" dirty="0" err="1"/>
               <a:t>sock.read</a:t>
             </a:r>
             <a:r>
-              <a:rPr lang="fr-FR" sz="2400" dirty="0" smtClean="0"/>
+              <a:rPr lang="fr-FR" sz="2400" dirty="0"/>
               <a:t>()</a:t>
             </a:r>
           </a:p>
           <a:p>
             <a:pPr lvl="1"/>
             <a:r>
-              <a:rPr lang="fr-FR" sz="2000" dirty="0" smtClean="0"/>
+              <a:rPr lang="fr-FR" sz="2000" dirty="0"/>
               <a:t>Lit un caractère</a:t>
             </a:r>
           </a:p>
           <a:p>
             <a:r>
-              <a:rPr lang="fr-FR" sz="2400" dirty="0" smtClean="0"/>
-              <a:t>s </a:t>
-            </a:r>
-            <a:r>
               <a:rPr lang="fr-FR" sz="2400" dirty="0"/>
-              <a:t>= </a:t>
+              <a:t>s = </a:t>
             </a:r>
             <a:r>
               <a:rPr lang="fr-FR" sz="2400" dirty="0" err="1"/>
               <a:t>sock.readline</a:t>
             </a:r>
             <a:r>
-              <a:rPr lang="fr-FR" sz="2400" dirty="0" smtClean="0"/>
+              <a:rPr lang="fr-FR" sz="2400" dirty="0"/>
               <a:t>()</a:t>
             </a:r>
           </a:p>
           <a:p>
             <a:pPr lvl="1"/>
             <a:r>
-              <a:rPr lang="fr-FR" sz="2000" dirty="0" smtClean="0"/>
+              <a:rPr lang="fr-FR" sz="2000" dirty="0"/>
               <a:t>Lit une ligne</a:t>
             </a:r>
-            <a:endParaRPr lang="fr-FR" sz="2000" dirty="0"/>
-          </a:p>
-          <a:p>
-            <a:r>
-              <a:rPr lang="fr-FR" sz="2400" dirty="0" err="1" smtClean="0"/>
+          </a:p>
+          <a:p>
+            <a:r>
+              <a:rPr lang="fr-FR" sz="2400" dirty="0" err="1"/>
               <a:t>print</a:t>
             </a:r>
             <a:r>
-              <a:rPr lang="fr-FR" sz="2400" dirty="0" smtClean="0"/>
+              <a:rPr lang="fr-FR" sz="2400" dirty="0"/>
               <a:t>(</a:t>
             </a:r>
             <a:r>
-              <a:rPr lang="fr-FR" sz="2400" dirty="0" err="1" smtClean="0"/>
+              <a:rPr lang="fr-FR" sz="2400" dirty="0" err="1"/>
               <a:t>s.decode</a:t>
             </a:r>
             <a:r>
-              <a:rPr lang="fr-FR" sz="2400" dirty="0" smtClean="0"/>
+              <a:rPr lang="fr-FR" sz="2400" dirty="0"/>
               <a:t>())</a:t>
             </a:r>
           </a:p>
           <a:p>
             <a:pPr lvl="1"/>
             <a:r>
-              <a:rPr lang="fr-FR" sz="2000" dirty="0" smtClean="0"/>
+              <a:rPr lang="fr-FR" sz="2000" dirty="0"/>
               <a:t>Transforme les octets en caractères</a:t>
             </a:r>
           </a:p>
           <a:p>
             <a:r>
-              <a:rPr lang="fr-FR" sz="2400" dirty="0" err="1" smtClean="0"/>
+              <a:rPr lang="fr-FR" sz="2400" dirty="0" err="1"/>
               <a:t>sock.write</a:t>
             </a:r>
             <a:r>
-              <a:rPr lang="fr-FR" sz="2400" dirty="0" smtClean="0"/>
+              <a:rPr lang="fr-FR" sz="2400" dirty="0"/>
               <a:t>("Hello\</a:t>
             </a:r>
             <a:r>
-              <a:rPr lang="fr-FR" sz="2400" dirty="0" err="1" smtClean="0"/>
-              <a:t>n</a:t>
-            </a:r>
-            <a:r>
-              <a:rPr lang="fr-FR" sz="2400" dirty="0" err="1" smtClean="0"/>
-              <a:t>".</a:t>
-            </a:r>
-            <a:r>
               <a:rPr lang="fr-FR" sz="2400" dirty="0" err="1"/>
-              <a:t>encode</a:t>
-            </a:r>
-            <a:r>
-              <a:rPr lang="fr-FR" sz="2400" dirty="0" smtClean="0"/>
+              <a:t>n".encode</a:t>
+            </a:r>
+            <a:r>
+              <a:rPr lang="fr-FR" sz="2400" dirty="0"/>
               <a:t>())</a:t>
             </a:r>
           </a:p>
           <a:p>
             <a:pPr lvl="1"/>
             <a:r>
-              <a:rPr lang="fr-FR" sz="2000" dirty="0" smtClean="0"/>
+              <a:rPr lang="fr-FR" sz="2000" dirty="0"/>
               <a:t>Ecrit une chaine transformées en octets</a:t>
             </a:r>
-            <a:endParaRPr lang="fr-FR" sz="2000" dirty="0"/>
           </a:p>
           <a:p>
             <a:r>
@@ -4221,14 +4154,14 @@
               <a:t>sock.close</a:t>
             </a:r>
             <a:r>
-              <a:rPr lang="fr-FR" sz="2400" dirty="0" smtClean="0"/>
+              <a:rPr lang="fr-FR" sz="2400" dirty="0"/>
               <a:t>()</a:t>
             </a:r>
           </a:p>
           <a:p>
             <a:pPr lvl="1"/>
             <a:r>
-              <a:rPr lang="fr-FR" sz="2000" dirty="0" smtClean="0"/>
+              <a:rPr lang="fr-FR" sz="2000" dirty="0"/>
               <a:t>Ferme la liaison</a:t>
             </a:r>
           </a:p>
@@ -4247,13 +4180,6 @@
   <p:clrMapOvr>
     <a:masterClrMapping/>
   </p:clrMapOvr>
-  <p:timing>
-    <p:tnLst>
-      <p:par>
-        <p:cTn id="1" dur="indefinite" restart="never" nodeType="tmRoot"/>
-      </p:par>
-    </p:tnLst>
-  </p:timing>
 </p:sld>
 </file>
 
@@ -4290,14 +4216,13 @@
           <a:lstStyle/>
           <a:p>
             <a:r>
-              <a:rPr lang="fr-FR" dirty="0" err="1" smtClean="0"/>
+              <a:rPr lang="fr-FR" dirty="0" err="1"/>
               <a:t>Raspberry</a:t>
             </a:r>
             <a:r>
-              <a:rPr lang="fr-FR" dirty="0" smtClean="0"/>
+              <a:rPr lang="fr-FR" dirty="0"/>
               <a:t> RS232</a:t>
             </a:r>
-            <a:endParaRPr lang="fr-FR" dirty="0"/>
           </a:p>
         </p:txBody>
       </p:sp>
@@ -4317,24 +4242,23 @@
           <a:lstStyle/>
           <a:p>
             <a:r>
-              <a:rPr lang="fr-FR" dirty="0" smtClean="0"/>
+              <a:rPr lang="fr-FR" dirty="0"/>
               <a:t>L'adjonction d'un câble USB - RS232 permet de dialoguer en RS232</a:t>
             </a:r>
           </a:p>
           <a:p>
             <a:r>
-              <a:rPr lang="fr-FR" dirty="0" smtClean="0"/>
+              <a:rPr lang="fr-FR" dirty="0"/>
               <a:t>Il est possible de fixer les nom des </a:t>
             </a:r>
             <a:r>
-              <a:rPr lang="fr-FR" dirty="0" err="1" smtClean="0"/>
+              <a:rPr lang="fr-FR" dirty="0" err="1"/>
               <a:t>devices</a:t>
             </a:r>
             <a:r>
-              <a:rPr lang="fr-FR" dirty="0" smtClean="0"/>
+              <a:rPr lang="fr-FR" dirty="0"/>
               <a:t> USB dans ce fichier</a:t>
             </a:r>
-            <a:endParaRPr lang="fr-FR" dirty="0"/>
           </a:p>
         </p:txBody>
       </p:sp>
@@ -4392,13 +4316,6 @@
   <p:clrMapOvr>
     <a:masterClrMapping/>
   </p:clrMapOvr>
-  <p:timing>
-    <p:tnLst>
-      <p:par>
-        <p:cTn id="1" dur="indefinite" restart="never" nodeType="tmRoot"/>
-      </p:par>
-    </p:tnLst>
-  </p:timing>
 </p:sld>
 </file>
 
@@ -4435,10 +4352,9 @@
           <a:lstStyle/>
           <a:p>
             <a:r>
-              <a:rPr lang="fr-FR" dirty="0" smtClean="0"/>
+              <a:rPr lang="fr-FR" dirty="0"/>
               <a:t>Ethernet</a:t>
             </a:r>
-            <a:endParaRPr lang="fr-FR" dirty="0"/>
           </a:p>
         </p:txBody>
       </p:sp>
@@ -4458,73 +4374,73 @@
           <a:lstStyle/>
           <a:p>
             <a:r>
-              <a:rPr lang="fr-FR" dirty="0" smtClean="0"/>
+              <a:rPr lang="fr-FR" dirty="0"/>
               <a:t>La liaison Ethernet ne fonctionne que sous </a:t>
             </a:r>
             <a:r>
-              <a:rPr lang="fr-FR" dirty="0" err="1" smtClean="0"/>
+              <a:rPr lang="fr-FR" dirty="0" err="1"/>
               <a:t>Raspberry</a:t>
             </a:r>
             <a:r>
-              <a:rPr lang="fr-FR" dirty="0" smtClean="0"/>
+              <a:rPr lang="fr-FR" dirty="0"/>
               <a:t> Pi &gt;= 1</a:t>
             </a:r>
           </a:p>
           <a:p>
             <a:r>
-              <a:rPr lang="fr-FR" dirty="0" smtClean="0"/>
+              <a:rPr lang="fr-FR" dirty="0"/>
               <a:t>Nécessite une infrastructure IP</a:t>
             </a:r>
           </a:p>
           <a:p>
             <a:pPr lvl="1"/>
             <a:r>
-              <a:rPr lang="fr-FR" dirty="0" smtClean="0"/>
+              <a:rPr lang="fr-FR" dirty="0"/>
               <a:t>Routeur</a:t>
             </a:r>
           </a:p>
           <a:p>
             <a:r>
-              <a:rPr lang="fr-FR" dirty="0" smtClean="0"/>
+              <a:rPr lang="fr-FR" dirty="0"/>
               <a:t>Communication possible alors via </a:t>
             </a:r>
             <a:r>
-              <a:rPr lang="fr-FR" dirty="0" err="1" smtClean="0"/>
+              <a:rPr lang="fr-FR" dirty="0" err="1"/>
               <a:t>Flask</a:t>
             </a:r>
-            <a:endParaRPr lang="fr-FR" dirty="0" smtClean="0"/>
-          </a:p>
-          <a:p>
-            <a:r>
-              <a:rPr lang="fr-FR" dirty="0" smtClean="0"/>
+            <a:endParaRPr lang="fr-FR" dirty="0"/>
+          </a:p>
+          <a:p>
+            <a:r>
+              <a:rPr lang="fr-FR" dirty="0"/>
               <a:t>Sous </a:t>
             </a:r>
             <a:r>
-              <a:rPr lang="fr-FR" dirty="0" err="1" smtClean="0"/>
+              <a:rPr lang="fr-FR" dirty="0" err="1"/>
               <a:t>Arduino</a:t>
             </a:r>
             <a:r>
-              <a:rPr lang="fr-FR" dirty="0" smtClean="0"/>
+              <a:rPr lang="fr-FR" dirty="0"/>
               <a:t> un </a:t>
             </a:r>
             <a:r>
-              <a:rPr lang="fr-FR" dirty="0" err="1" smtClean="0"/>
+              <a:rPr lang="fr-FR" dirty="0" err="1"/>
               <a:t>Shield</a:t>
             </a:r>
             <a:r>
-              <a:rPr lang="fr-FR" dirty="0" smtClean="0"/>
+              <a:rPr lang="fr-FR" dirty="0"/>
               <a:t> est nécessaire ainsi que la librairie Ethernet</a:t>
             </a:r>
           </a:p>
           <a:p>
             <a:pPr lvl="1"/>
             <a:r>
-              <a:rPr lang="fr-FR" dirty="0" smtClean="0"/>
+              <a:rPr lang="fr-FR" dirty="0"/>
               <a:t>Assez complexe</a:t>
             </a:r>
           </a:p>
           <a:p>
-            <a:endParaRPr lang="fr-FR" dirty="0" smtClean="0"/>
+            <a:endParaRPr lang="fr-FR" dirty="0"/>
           </a:p>
           <a:p>
             <a:endParaRPr lang="fr-FR" dirty="0"/>
@@ -4645,13 +4561,6 @@
   <p:clrMapOvr>
     <a:masterClrMapping/>
   </p:clrMapOvr>
-  <p:timing>
-    <p:tnLst>
-      <p:par>
-        <p:cTn id="1" dur="indefinite" restart="never" nodeType="tmRoot"/>
-      </p:par>
-    </p:tnLst>
-  </p:timing>
 </p:sld>
 </file>
 
@@ -4688,10 +4597,9 @@
           <a:lstStyle/>
           <a:p>
             <a:r>
-              <a:rPr lang="fr-FR" dirty="0" smtClean="0"/>
+              <a:rPr lang="fr-FR" dirty="0"/>
               <a:t>Les liaisons filaires</a:t>
             </a:r>
-            <a:endParaRPr lang="fr-FR" dirty="0"/>
           </a:p>
         </p:txBody>
       </p:sp>
@@ -4711,78 +4619,74 @@
           <a:lstStyle/>
           <a:p>
             <a:r>
-              <a:rPr lang="fr-FR" dirty="0" smtClean="0"/>
+              <a:rPr lang="fr-FR" dirty="0"/>
               <a:t>Les liaisons filaires sont encore très utilisées pour leur robustesse</a:t>
             </a:r>
           </a:p>
           <a:p>
             <a:r>
-              <a:rPr lang="fr-FR" dirty="0" smtClean="0"/>
+              <a:rPr lang="fr-FR" dirty="0"/>
               <a:t>USB</a:t>
             </a:r>
           </a:p>
           <a:p>
             <a:pPr lvl="1"/>
             <a:r>
-              <a:rPr lang="fr-FR" dirty="0" smtClean="0"/>
+              <a:rPr lang="fr-FR" dirty="0"/>
               <a:t>Facile mais ne supporte pas la longueur</a:t>
             </a:r>
           </a:p>
           <a:p>
             <a:pPr lvl="1"/>
             <a:r>
-              <a:rPr lang="fr-FR" dirty="0" smtClean="0"/>
+              <a:rPr lang="fr-FR" dirty="0"/>
               <a:t>Rapide (USB 3)</a:t>
             </a:r>
           </a:p>
           <a:p>
             <a:r>
-              <a:rPr lang="fr-FR" dirty="0" smtClean="0"/>
+              <a:rPr lang="fr-FR" dirty="0"/>
               <a:t>RS232</a:t>
             </a:r>
           </a:p>
           <a:p>
             <a:pPr lvl="1"/>
             <a:r>
+              <a:rPr lang="fr-FR" dirty="0"/>
+              <a:t>Très fiable (contrôle de redondance)</a:t>
+            </a:r>
+          </a:p>
+          <a:p>
+            <a:pPr lvl="1"/>
+            <a:r>
+              <a:rPr lang="fr-FR" dirty="0"/>
+              <a:t>Lent et </a:t>
+            </a:r>
+            <a:r>
               <a:rPr lang="fr-FR"/>
-              <a:t>T</a:t>
-            </a:r>
-            <a:r>
-              <a:rPr lang="fr-FR" smtClean="0"/>
-              <a:t>rès </a:t>
-            </a:r>
-            <a:r>
-              <a:rPr lang="fr-FR" dirty="0" smtClean="0"/>
-              <a:t>fiable (contrôle de redondance)</a:t>
+              <a:t>faible distance</a:t>
+            </a:r>
+            <a:endParaRPr lang="fr-FR" dirty="0"/>
+          </a:p>
+          <a:p>
+            <a:r>
+              <a:rPr lang="fr-FR" dirty="0"/>
+              <a:t>Ethernet</a:t>
             </a:r>
           </a:p>
           <a:p>
             <a:pPr lvl="1"/>
             <a:r>
-              <a:rPr lang="fr-FR" dirty="0" smtClean="0"/>
-              <a:t>Lent</a:t>
-            </a:r>
-          </a:p>
-          <a:p>
-            <a:r>
-              <a:rPr lang="fr-FR" dirty="0" smtClean="0"/>
-              <a:t>Ethernet</a:t>
+              <a:rPr lang="fr-FR" dirty="0"/>
+              <a:t>Très fiable et très rapide (Gbit/s)</a:t>
             </a:r>
           </a:p>
           <a:p>
             <a:pPr lvl="1"/>
             <a:r>
-              <a:rPr lang="fr-FR" dirty="0" smtClean="0"/>
-              <a:t>Très fiable et très rapide (Gbit/s)</a:t>
-            </a:r>
-          </a:p>
-          <a:p>
-            <a:pPr lvl="1"/>
-            <a:r>
-              <a:rPr lang="fr-FR" dirty="0" smtClean="0"/>
+              <a:rPr lang="fr-FR" dirty="0"/>
               <a:t>Nécessite une infrastructure IP</a:t>
             </a:r>
-            <a:endParaRPr lang="fr-FR" dirty="0"/>
           </a:p>
         </p:txBody>
       </p:sp>
@@ -4808,12 +4712,12 @@
           <a:graphicData uri="http://schemas.openxmlformats.org/presentationml/2006/ole">
             <mc:AlternateContent xmlns:mc="http://schemas.openxmlformats.org/markup-compatibility/2006">
               <mc:Choice xmlns:v="urn:schemas-microsoft-com:vml" Requires="v">
-                <p:oleObj spid="_x0000_s3090" r:id="rId3" imgW="8646363" imgH="4788816" progId="Unknown">
+                <p:oleObj r:id="rId2" imgW="8646363" imgH="4788816" progId="Unknown">
                   <p:embed/>
                 </p:oleObj>
               </mc:Choice>
               <mc:Fallback>
-                <p:oleObj r:id="rId3" imgW="8646363" imgH="4788816" progId="Unknown">
+                <p:oleObj r:id="rId2" imgW="8646363" imgH="4788816" progId="Unknown">
                   <p:embed/>
                   <p:pic>
                     <p:nvPicPr>
@@ -4824,7 +4728,7 @@
                       <p:nvPr/>
                     </p:nvPicPr>
                     <p:blipFill>
-                      <a:blip r:embed="rId4">
+                      <a:blip r:embed="rId3">
                         <a:extLst>
                           <a:ext uri="{28A0092B-C50C-407E-A947-70E740481C1C}">
                             <a14:useLocalDpi xmlns:a14="http://schemas.microsoft.com/office/drawing/2010/main" val="0"/>
@@ -4863,13 +4767,6 @@
   <p:clrMapOvr>
     <a:masterClrMapping/>
   </p:clrMapOvr>
-  <p:timing>
-    <p:tnLst>
-      <p:par>
-        <p:cTn id="1" dur="indefinite" restart="never" nodeType="tmRoot"/>
-      </p:par>
-    </p:tnLst>
-  </p:timing>
 </p:sld>
 </file>
 
@@ -4906,10 +4803,9 @@
           <a:lstStyle/>
           <a:p>
             <a:r>
-              <a:rPr lang="fr-FR" dirty="0" smtClean="0"/>
+              <a:rPr lang="fr-FR" dirty="0"/>
               <a:t>La liaison série</a:t>
             </a:r>
-            <a:endParaRPr lang="fr-FR" dirty="0"/>
           </a:p>
         </p:txBody>
       </p:sp>
@@ -4929,44 +4825,44 @@
           <a:lstStyle/>
           <a:p>
             <a:r>
-              <a:rPr lang="fr-FR" dirty="0" smtClean="0"/>
+              <a:rPr lang="fr-FR" dirty="0"/>
               <a:t>La liaison série permet de transmettre des données par des ports numériques</a:t>
             </a:r>
           </a:p>
           <a:p>
             <a:pPr lvl="1"/>
             <a:r>
-              <a:rPr lang="fr-FR" dirty="0" smtClean="0"/>
+              <a:rPr lang="fr-FR" dirty="0"/>
               <a:t>Nécessite une synchronisation précise</a:t>
             </a:r>
           </a:p>
           <a:p>
             <a:pPr lvl="1"/>
             <a:r>
-              <a:rPr lang="fr-FR" dirty="0" err="1" smtClean="0"/>
+              <a:rPr lang="fr-FR" dirty="0" err="1"/>
               <a:t>baudrate</a:t>
             </a:r>
-            <a:endParaRPr lang="fr-FR" dirty="0" smtClean="0"/>
-          </a:p>
-          <a:p>
-            <a:r>
-              <a:rPr lang="fr-FR" dirty="0" smtClean="0"/>
+            <a:endParaRPr lang="fr-FR" dirty="0"/>
+          </a:p>
+          <a:p>
+            <a:r>
+              <a:rPr lang="fr-FR" dirty="0"/>
               <a:t>L'</a:t>
             </a:r>
             <a:r>
-              <a:rPr lang="fr-FR" dirty="0" err="1" smtClean="0"/>
+              <a:rPr lang="fr-FR" dirty="0" err="1"/>
               <a:t>Arduino</a:t>
             </a:r>
             <a:r>
-              <a:rPr lang="fr-FR" dirty="0" smtClean="0"/>
+              <a:rPr lang="fr-FR" dirty="0"/>
               <a:t> et le </a:t>
             </a:r>
             <a:r>
-              <a:rPr lang="fr-FR" dirty="0" err="1" smtClean="0"/>
+              <a:rPr lang="fr-FR" dirty="0" err="1"/>
               <a:t>Raspberry</a:t>
             </a:r>
             <a:r>
-              <a:rPr lang="fr-FR" dirty="0" smtClean="0"/>
+              <a:rPr lang="fr-FR" dirty="0"/>
               <a:t> possède une puce spécialisée dans la liaison série : L'UART</a:t>
             </a:r>
           </a:p>
@@ -4982,13 +4878,6 @@
   <p:clrMapOvr>
     <a:masterClrMapping/>
   </p:clrMapOvr>
-  <p:timing>
-    <p:tnLst>
-      <p:par>
-        <p:cTn id="1" dur="indefinite" restart="never" nodeType="tmRoot"/>
-      </p:par>
-    </p:tnLst>
-  </p:timing>
 </p:sld>
 </file>
 
@@ -5025,10 +4914,9 @@
           <a:lstStyle/>
           <a:p>
             <a:r>
-              <a:rPr lang="fr-FR" dirty="0" smtClean="0"/>
+              <a:rPr lang="fr-FR" dirty="0"/>
               <a:t>UART</a:t>
             </a:r>
-            <a:endParaRPr lang="fr-FR" dirty="0"/>
           </a:p>
         </p:txBody>
       </p:sp>
@@ -5048,7 +4936,7 @@
           <a:lstStyle/>
           <a:p>
             <a:r>
-              <a:rPr lang="fr-FR" sz="2400" dirty="0" smtClean="0"/>
+              <a:rPr lang="fr-FR" sz="2400" dirty="0"/>
               <a:t>Universal </a:t>
             </a:r>
             <a:r>
@@ -5068,30 +4956,22 @@
               <a:t> </a:t>
             </a:r>
             <a:r>
-              <a:rPr lang="fr-FR" sz="2400" dirty="0" err="1" smtClean="0"/>
+              <a:rPr lang="fr-FR" sz="2400" dirty="0" err="1"/>
               <a:t>Transmitter</a:t>
             </a:r>
             <a:endParaRPr lang="fr-FR" sz="2400" dirty="0"/>
           </a:p>
           <a:p>
             <a:r>
-              <a:rPr lang="fr-FR" sz="2400" dirty="0" smtClean="0"/>
-              <a:t>Une </a:t>
-            </a:r>
-            <a:r>
               <a:rPr lang="fr-FR" sz="2400" dirty="0"/>
-              <a:t>trame UART est constituée des bits suivants :</a:t>
+              <a:t>Une trame UART est constituée des bits suivants :</a:t>
             </a:r>
           </a:p>
           <a:p>
             <a:pPr lvl="1"/>
             <a:r>
-              <a:rPr lang="fr-FR" sz="2000" dirty="0" smtClean="0"/>
-              <a:t>Constitution </a:t>
-            </a:r>
-            <a:r>
               <a:rPr lang="fr-FR" sz="2000" dirty="0"/>
-              <a:t>d'une trame UART</a:t>
+              <a:t>Constitution d'une trame UART</a:t>
             </a:r>
           </a:p>
           <a:p>
@@ -5136,10 +5016,9 @@
               <a:rPr lang="fr-FR" sz="2000" dirty="0"/>
               <a:t>Le niveau logique de repos est le 1.</a:t>
             </a:r>
-            <a:endParaRPr lang="fr-FR" sz="2000" dirty="0" smtClean="0"/>
-          </a:p>
-          <a:p>
-            <a:endParaRPr lang="fr-FR" sz="2400" dirty="0" smtClean="0"/>
+          </a:p>
+          <a:p>
+            <a:endParaRPr lang="fr-FR" sz="2400" dirty="0"/>
           </a:p>
           <a:p>
             <a:pPr lvl="1"/>
@@ -5198,13 +5077,6 @@
   <p:clrMapOvr>
     <a:masterClrMapping/>
   </p:clrMapOvr>
-  <p:timing>
-    <p:tnLst>
-      <p:par>
-        <p:cTn id="1" dur="indefinite" restart="never" nodeType="tmRoot"/>
-      </p:par>
-    </p:tnLst>
-  </p:timing>
 </p:sld>
 </file>
 
@@ -5241,14 +5113,13 @@
           <a:lstStyle/>
           <a:p>
             <a:r>
-              <a:rPr lang="fr-FR" dirty="0" err="1" smtClean="0"/>
+              <a:rPr lang="fr-FR" dirty="0" err="1"/>
               <a:t>Arduino</a:t>
             </a:r>
             <a:r>
-              <a:rPr lang="fr-FR" dirty="0" smtClean="0"/>
+              <a:rPr lang="fr-FR" dirty="0"/>
               <a:t> UART</a:t>
             </a:r>
-            <a:endParaRPr lang="fr-FR" dirty="0"/>
           </a:p>
         </p:txBody>
       </p:sp>
@@ -5268,99 +5139,91 @@
           <a:lstStyle/>
           <a:p>
             <a:r>
-              <a:rPr lang="fr-FR" dirty="0" smtClean="0"/>
+              <a:rPr lang="fr-FR" dirty="0"/>
               <a:t>Sur l'</a:t>
             </a:r>
             <a:r>
-              <a:rPr lang="fr-FR" dirty="0" err="1" smtClean="0"/>
+              <a:rPr lang="fr-FR" dirty="0" err="1"/>
               <a:t>Arduino</a:t>
             </a:r>
             <a:r>
-              <a:rPr lang="fr-FR" dirty="0" smtClean="0"/>
+              <a:rPr lang="fr-FR" dirty="0"/>
               <a:t> l'UART est par défaut sur le port USB</a:t>
             </a:r>
           </a:p>
           <a:p>
             <a:pPr lvl="1"/>
             <a:r>
-              <a:rPr lang="fr-FR" dirty="0" smtClean="0"/>
+              <a:rPr lang="fr-FR" dirty="0"/>
               <a:t>Peut être surcharger sur les I/O 0 (</a:t>
             </a:r>
             <a:r>
-              <a:rPr lang="fr-FR" dirty="0" err="1" smtClean="0"/>
+              <a:rPr lang="fr-FR" dirty="0" err="1"/>
               <a:t>Tx</a:t>
             </a:r>
             <a:r>
-              <a:rPr lang="fr-FR" dirty="0" smtClean="0"/>
+              <a:rPr lang="fr-FR" dirty="0"/>
               <a:t>) et 1 (</a:t>
             </a:r>
             <a:r>
-              <a:rPr lang="fr-FR" dirty="0" err="1" smtClean="0"/>
+              <a:rPr lang="fr-FR" dirty="0" err="1"/>
               <a:t>Rx</a:t>
             </a:r>
             <a:r>
-              <a:rPr lang="fr-FR" dirty="0" smtClean="0"/>
+              <a:rPr lang="fr-FR" dirty="0"/>
               <a:t>)</a:t>
             </a:r>
           </a:p>
           <a:p>
             <a:r>
-              <a:rPr lang="fr-FR" dirty="0" err="1" smtClean="0"/>
+              <a:rPr lang="fr-FR" dirty="0" err="1"/>
               <a:t>Serial.begin</a:t>
             </a:r>
             <a:r>
-              <a:rPr lang="fr-FR" dirty="0" smtClean="0"/>
+              <a:rPr lang="fr-FR" dirty="0"/>
               <a:t>(9600)</a:t>
             </a:r>
           </a:p>
           <a:p>
             <a:pPr lvl="1"/>
             <a:r>
-              <a:rPr lang="fr-FR" dirty="0" smtClean="0"/>
+              <a:rPr lang="fr-FR" dirty="0"/>
               <a:t>Démarre la liaison série par défaut en 9600 bauds</a:t>
             </a:r>
           </a:p>
           <a:p>
             <a:pPr lvl="1"/>
             <a:r>
-              <a:rPr lang="fr-FR" dirty="0" smtClean="0"/>
+              <a:rPr lang="fr-FR" dirty="0"/>
               <a:t>Peut aller jusqu'à 115200 sur </a:t>
             </a:r>
             <a:r>
-              <a:rPr lang="fr-FR" dirty="0" err="1" smtClean="0"/>
+              <a:rPr lang="fr-FR" dirty="0" err="1"/>
               <a:t>Uno</a:t>
             </a:r>
             <a:r>
-              <a:rPr lang="fr-FR" dirty="0" smtClean="0"/>
+              <a:rPr lang="fr-FR" dirty="0"/>
               <a:t> largement plus sur d'autres carte</a:t>
             </a:r>
           </a:p>
           <a:p>
             <a:r>
-              <a:rPr lang="fr-FR" dirty="0" err="1" smtClean="0"/>
+              <a:rPr lang="fr-FR" dirty="0" err="1"/>
               <a:t>Serial.print</a:t>
             </a:r>
             <a:r>
-              <a:rPr lang="fr-FR" dirty="0" smtClean="0"/>
+              <a:rPr lang="fr-FR" dirty="0"/>
               <a:t>("Hello") écrit une trame série</a:t>
             </a:r>
           </a:p>
           <a:p>
             <a:r>
-              <a:rPr lang="fr-FR" dirty="0" err="1" smtClean="0"/>
+              <a:rPr lang="fr-FR" dirty="0" err="1"/>
               <a:t>Serial.println</a:t>
             </a:r>
             <a:r>
-              <a:rPr lang="fr-FR" dirty="0" smtClean="0"/>
-              <a:t>("</a:t>
-            </a:r>
-            <a:r>
-              <a:rPr lang="fr-FR" dirty="0"/>
-              <a:t>Hello") écrit une trame </a:t>
-            </a:r>
-            <a:r>
-              <a:rPr lang="fr-FR" dirty="0" smtClean="0"/>
-              <a:t>série terminée par un \n</a:t>
+              <a:rPr lang="fr-FR" dirty="0"/>
+              <a:t>("Hello") écrit une trame série terminée par un \n</a:t>
             </a:r>
           </a:p>
           <a:p>
@@ -5381,13 +5244,6 @@
   <p:clrMapOvr>
     <a:masterClrMapping/>
   </p:clrMapOvr>
-  <p:timing>
-    <p:tnLst>
-      <p:par>
-        <p:cTn id="1" dur="indefinite" restart="never" nodeType="tmRoot"/>
-      </p:par>
-    </p:tnLst>
-  </p:timing>
 </p:sld>
 </file>
 
@@ -5424,11 +5280,11 @@
           <a:lstStyle/>
           <a:p>
             <a:r>
-              <a:rPr lang="fr-FR" dirty="0" smtClean="0"/>
+              <a:rPr lang="fr-FR" dirty="0"/>
               <a:t>Lecture </a:t>
             </a:r>
             <a:r>
-              <a:rPr lang="fr-FR" dirty="0" err="1" smtClean="0"/>
+              <a:rPr lang="fr-FR" dirty="0" err="1"/>
               <a:t>Arduino</a:t>
             </a:r>
             <a:endParaRPr lang="fr-FR" dirty="0"/>
@@ -5451,35 +5307,35 @@
           <a:lstStyle/>
           <a:p>
             <a:r>
-              <a:rPr lang="fr-FR" dirty="0" err="1" smtClean="0"/>
+              <a:rPr lang="fr-FR" dirty="0" err="1"/>
               <a:t>Serial.available</a:t>
             </a:r>
             <a:r>
-              <a:rPr lang="fr-FR" dirty="0" smtClean="0"/>
+              <a:rPr lang="fr-FR" dirty="0"/>
               <a:t>()</a:t>
             </a:r>
           </a:p>
           <a:p>
             <a:pPr lvl="1"/>
             <a:r>
-              <a:rPr lang="fr-FR" dirty="0" smtClean="0"/>
+              <a:rPr lang="fr-FR" dirty="0"/>
               <a:t>Renvoie le nombre d'octet dans la mémoire de réception</a:t>
             </a:r>
           </a:p>
           <a:p>
             <a:r>
-              <a:rPr lang="fr-FR" dirty="0" err="1" smtClean="0"/>
+              <a:rPr lang="fr-FR" dirty="0" err="1"/>
               <a:t>Serial.read</a:t>
             </a:r>
             <a:r>
-              <a:rPr lang="fr-FR" dirty="0" smtClean="0"/>
+              <a:rPr lang="fr-FR" dirty="0"/>
               <a:t>()</a:t>
             </a:r>
           </a:p>
           <a:p>
             <a:pPr lvl="1"/>
             <a:r>
-              <a:rPr lang="fr-FR" dirty="0" smtClean="0"/>
+              <a:rPr lang="fr-FR" dirty="0"/>
               <a:t>Lit un octet</a:t>
             </a:r>
           </a:p>
@@ -5490,20 +5346,15 @@
             </a:r>
             <a:r>
               <a:rPr lang="fr-FR" dirty="0"/>
-              <a:t>('\n</a:t>
-            </a:r>
-            <a:r>
-              <a:rPr lang="fr-FR" dirty="0" smtClean="0"/>
-              <a:t>')</a:t>
+              <a:t>('\n')</a:t>
             </a:r>
           </a:p>
           <a:p>
             <a:pPr lvl="1"/>
             <a:r>
-              <a:rPr lang="fr-FR" dirty="0" smtClean="0"/>
+              <a:rPr lang="fr-FR" dirty="0"/>
               <a:t>Lit une String jusqu'au retour chariot</a:t>
             </a:r>
-            <a:endParaRPr lang="fr-FR" dirty="0"/>
           </a:p>
         </p:txBody>
       </p:sp>
@@ -5517,13 +5368,6 @@
   <p:clrMapOvr>
     <a:masterClrMapping/>
   </p:clrMapOvr>
-  <p:timing>
-    <p:tnLst>
-      <p:par>
-        <p:cTn id="1" dur="indefinite" restart="never" nodeType="tmRoot"/>
-      </p:par>
-    </p:tnLst>
-  </p:timing>
 </p:sld>
 </file>
 
@@ -5560,7 +5404,7 @@
           <a:lstStyle/>
           <a:p>
             <a:r>
-              <a:rPr lang="fr-FR" dirty="0" err="1" smtClean="0"/>
+              <a:rPr lang="fr-FR" dirty="0" err="1"/>
               <a:t>SoftwareSerial</a:t>
             </a:r>
             <a:endParaRPr lang="fr-FR" dirty="0"/>
@@ -5583,46 +5427,42 @@
           <a:lstStyle/>
           <a:p>
             <a:r>
-              <a:rPr lang="fr-FR" dirty="0" smtClean="0"/>
+              <a:rPr lang="fr-FR" dirty="0"/>
               <a:t>La librairie </a:t>
             </a:r>
             <a:r>
-              <a:rPr lang="fr-FR" dirty="0" err="1" smtClean="0"/>
+              <a:rPr lang="fr-FR" dirty="0" err="1"/>
               <a:t>SoftwareSerial</a:t>
             </a:r>
             <a:r>
-              <a:rPr lang="fr-FR" dirty="0" smtClean="0"/>
-              <a:t> </a:t>
-            </a:r>
-            <a:r>
-              <a:rPr lang="fr-FR" dirty="0" smtClean="0"/>
-              <a:t>permet de communiquer en série sans passer par l'UART</a:t>
+              <a:rPr lang="fr-FR" dirty="0"/>
+              <a:t> permet de communiquer en série sans passer par l'UART</a:t>
             </a:r>
           </a:p>
           <a:p>
             <a:pPr lvl="1"/>
             <a:r>
-              <a:rPr lang="fr-FR" dirty="0" smtClean="0"/>
+              <a:rPr lang="fr-FR" dirty="0"/>
               <a:t>Un peu moins fiable</a:t>
             </a:r>
           </a:p>
           <a:p>
             <a:pPr lvl="1"/>
             <a:r>
-              <a:rPr lang="fr-FR" dirty="0" smtClean="0"/>
+              <a:rPr lang="fr-FR" dirty="0"/>
               <a:t>Permet d'avoir plusieurs liaison série</a:t>
             </a:r>
           </a:p>
           <a:p>
             <a:pPr lvl="1"/>
             <a:r>
-              <a:rPr lang="fr-FR" dirty="0" smtClean="0"/>
+              <a:rPr lang="fr-FR" dirty="0"/>
               <a:t>Permet d'utiliser d'autres I/O que 0 et 1</a:t>
             </a:r>
           </a:p>
           <a:p>
             <a:r>
-              <a:rPr lang="fr-FR" dirty="0" smtClean="0"/>
+              <a:rPr lang="fr-FR" dirty="0"/>
               <a:t>Par exemple</a:t>
             </a:r>
           </a:p>
@@ -5652,11 +5492,11 @@
           <a:p>
             <a:pPr lvl="1"/>
             <a:r>
-              <a:rPr lang="fr-FR" dirty="0" err="1" smtClean="0"/>
+              <a:rPr lang="fr-FR" dirty="0" err="1"/>
               <a:t>SoftwareSerial</a:t>
             </a:r>
             <a:r>
-              <a:rPr lang="fr-FR" dirty="0" smtClean="0"/>
+              <a:rPr lang="fr-FR" dirty="0"/>
               <a:t> </a:t>
             </a:r>
             <a:r>
@@ -5665,31 +5505,26 @@
             </a:r>
             <a:r>
               <a:rPr lang="fr-FR" dirty="0"/>
-              <a:t>(7, 6</a:t>
-            </a:r>
-            <a:r>
-              <a:rPr lang="fr-FR" dirty="0" smtClean="0"/>
-              <a:t>);</a:t>
+              <a:t>(7, 6);</a:t>
             </a:r>
           </a:p>
           <a:p>
             <a:pPr lvl="1"/>
             <a:r>
-              <a:rPr lang="fr-FR" dirty="0" err="1" smtClean="0"/>
+              <a:rPr lang="fr-FR" dirty="0" err="1"/>
               <a:t>mySerial.println</a:t>
             </a:r>
             <a:r>
-              <a:rPr lang="fr-FR" dirty="0" smtClean="0"/>
+              <a:rPr lang="fr-FR" dirty="0"/>
               <a:t>("hello")</a:t>
             </a:r>
           </a:p>
           <a:p>
             <a:pPr lvl="1"/>
             <a:r>
-              <a:rPr lang="fr-FR" dirty="0" smtClean="0"/>
+              <a:rPr lang="fr-FR" dirty="0"/>
               <a:t>Permet de communiquer en série sur les I/O 6 et 7</a:t>
             </a:r>
-            <a:endParaRPr lang="fr-FR" dirty="0"/>
           </a:p>
         </p:txBody>
       </p:sp>
@@ -5703,13 +5538,6 @@
   <p:clrMapOvr>
     <a:masterClrMapping/>
   </p:clrMapOvr>
-  <p:timing>
-    <p:tnLst>
-      <p:par>
-        <p:cTn id="1" dur="indefinite" restart="never" nodeType="tmRoot"/>
-      </p:par>
-    </p:tnLst>
-  </p:timing>
 </p:sld>
 </file>
 
@@ -5746,10 +5574,9 @@
           <a:lstStyle/>
           <a:p>
             <a:r>
-              <a:rPr lang="fr-FR" dirty="0" smtClean="0"/>
+              <a:rPr lang="fr-FR" dirty="0"/>
               <a:t>RS232</a:t>
             </a:r>
-            <a:endParaRPr lang="fr-FR" dirty="0"/>
           </a:p>
         </p:txBody>
       </p:sp>
@@ -5769,38 +5596,38 @@
           <a:lstStyle/>
           <a:p>
             <a:r>
-              <a:rPr lang="fr-FR" dirty="0" smtClean="0"/>
+              <a:rPr lang="fr-FR" dirty="0"/>
               <a:t>Le composant RS232 permet d'ajouter une interface série RS232</a:t>
             </a:r>
           </a:p>
           <a:p>
             <a:r>
-              <a:rPr lang="fr-FR" dirty="0" smtClean="0"/>
+              <a:rPr lang="fr-FR" dirty="0"/>
               <a:t>Utilise par défaut les ports UART</a:t>
             </a:r>
           </a:p>
           <a:p>
             <a:r>
-              <a:rPr lang="fr-FR" dirty="0" smtClean="0"/>
+              <a:rPr lang="fr-FR" dirty="0"/>
               <a:t>Peux fonctionner avec d'autres ports via des </a:t>
             </a:r>
             <a:r>
-              <a:rPr lang="fr-FR" dirty="0" err="1" smtClean="0"/>
+              <a:rPr lang="fr-FR" dirty="0" err="1"/>
               <a:t>jumpers</a:t>
             </a:r>
-            <a:endParaRPr lang="fr-FR" dirty="0" smtClean="0"/>
+            <a:endParaRPr lang="fr-FR" dirty="0"/>
           </a:p>
           <a:p>
             <a:pPr lvl="1"/>
             <a:r>
-              <a:rPr lang="fr-FR" dirty="0" smtClean="0"/>
+              <a:rPr lang="fr-FR" dirty="0"/>
               <a:t>Nécessite alors </a:t>
             </a:r>
             <a:r>
-              <a:rPr lang="fr-FR" dirty="0" err="1" smtClean="0"/>
+              <a:rPr lang="fr-FR" dirty="0" err="1"/>
               <a:t>SoftwareSerial</a:t>
             </a:r>
-            <a:endParaRPr lang="fr-FR" dirty="0" smtClean="0"/>
+            <a:endParaRPr lang="fr-FR" dirty="0"/>
           </a:p>
           <a:p>
             <a:endParaRPr lang="fr-FR" dirty="0"/>
@@ -5850,13 +5677,6 @@
   <p:clrMapOvr>
     <a:masterClrMapping/>
   </p:clrMapOvr>
-  <p:timing>
-    <p:tnLst>
-      <p:par>
-        <p:cTn id="1" dur="indefinite" restart="never" nodeType="tmRoot"/>
-      </p:par>
-    </p:tnLst>
-  </p:timing>
 </p:sld>
 </file>
 
@@ -5893,14 +5713,13 @@
           <a:lstStyle/>
           <a:p>
             <a:r>
-              <a:rPr lang="fr-FR" dirty="0" err="1" smtClean="0"/>
+              <a:rPr lang="fr-FR" dirty="0" err="1"/>
               <a:t>Raspberry</a:t>
             </a:r>
             <a:r>
-              <a:rPr lang="fr-FR" dirty="0" smtClean="0"/>
+              <a:rPr lang="fr-FR" dirty="0"/>
               <a:t> USB</a:t>
             </a:r>
-            <a:endParaRPr lang="fr-FR" dirty="0"/>
           </a:p>
         </p:txBody>
       </p:sp>
@@ -5920,77 +5739,77 @@
           <a:lstStyle/>
           <a:p>
             <a:r>
-              <a:rPr lang="fr-FR" dirty="0" smtClean="0"/>
+              <a:rPr lang="fr-FR" dirty="0"/>
               <a:t>La bibliothèque </a:t>
             </a:r>
             <a:r>
-              <a:rPr lang="fr-FR" dirty="0" err="1" smtClean="0"/>
+              <a:rPr lang="fr-FR" dirty="0" err="1"/>
               <a:t>PySerial</a:t>
             </a:r>
             <a:r>
-              <a:rPr lang="fr-FR" dirty="0" smtClean="0"/>
+              <a:rPr lang="fr-FR" dirty="0"/>
               <a:t> permet de dialoguer avec les ports USB</a:t>
             </a:r>
           </a:p>
           <a:p>
             <a:pPr lvl="1"/>
             <a:r>
-              <a:rPr lang="fr-FR" dirty="0" smtClean="0"/>
+              <a:rPr lang="fr-FR" dirty="0"/>
               <a:t>N'utilise pas l'UART qui est dédié au Bluetooth</a:t>
             </a:r>
           </a:p>
           <a:p>
             <a:pPr lvl="1"/>
             <a:r>
-              <a:rPr lang="fr-FR" dirty="0" smtClean="0"/>
+              <a:rPr lang="fr-FR" dirty="0"/>
               <a:t>Pour connaitre les ports USB il faut se rendre dans le répertoire /</a:t>
             </a:r>
             <a:r>
-              <a:rPr lang="fr-FR" dirty="0" err="1" smtClean="0"/>
+              <a:rPr lang="fr-FR" dirty="0" err="1"/>
               <a:t>dev</a:t>
             </a:r>
-            <a:endParaRPr lang="fr-FR" dirty="0" smtClean="0"/>
+            <a:endParaRPr lang="fr-FR" dirty="0"/>
           </a:p>
           <a:p>
             <a:pPr lvl="1"/>
             <a:r>
-              <a:rPr lang="fr-FR" dirty="0" smtClean="0"/>
+              <a:rPr lang="fr-FR" dirty="0"/>
               <a:t>Généralement /</a:t>
             </a:r>
             <a:r>
-              <a:rPr lang="fr-FR" dirty="0" err="1" smtClean="0"/>
+              <a:rPr lang="fr-FR" dirty="0" err="1"/>
               <a:t>dev</a:t>
             </a:r>
             <a:r>
-              <a:rPr lang="fr-FR" dirty="0" smtClean="0"/>
+              <a:rPr lang="fr-FR" dirty="0"/>
               <a:t>/ttyUSB0</a:t>
             </a:r>
           </a:p>
           <a:p>
             <a:r>
-              <a:rPr lang="fr-FR" dirty="0" smtClean="0"/>
+              <a:rPr lang="fr-FR" dirty="0"/>
               <a:t>La commande </a:t>
             </a:r>
             <a:r>
-              <a:rPr lang="fr-FR" dirty="0" err="1" smtClean="0"/>
+              <a:rPr lang="fr-FR" dirty="0" err="1"/>
               <a:t>lsusb</a:t>
             </a:r>
             <a:r>
-              <a:rPr lang="fr-FR" dirty="0" smtClean="0"/>
+              <a:rPr lang="fr-FR" dirty="0"/>
               <a:t> permet de lister les </a:t>
             </a:r>
             <a:r>
-              <a:rPr lang="fr-FR" dirty="0" err="1" smtClean="0"/>
+              <a:rPr lang="fr-FR" dirty="0" err="1"/>
               <a:t>devices</a:t>
             </a:r>
             <a:r>
-              <a:rPr lang="fr-FR" dirty="0" smtClean="0"/>
+              <a:rPr lang="fr-FR" dirty="0"/>
               <a:t> connectées</a:t>
             </a:r>
           </a:p>
           <a:p>
             <a:pPr lvl="1"/>
-            <a:endParaRPr lang="fr-FR" dirty="0" smtClean="0"/>
+            <a:endParaRPr lang="fr-FR" dirty="0"/>
           </a:p>
         </p:txBody>
       </p:sp>
@@ -6026,13 +5845,6 @@
   <p:clrMapOvr>
     <a:masterClrMapping/>
   </p:clrMapOvr>
-  <p:timing>
-    <p:tnLst>
-      <p:par>
-        <p:cTn id="1" dur="indefinite" restart="never" nodeType="tmRoot"/>
-      </p:par>
-    </p:tnLst>
-  </p:timing>
 </p:sld>
 </file>
 

--- a/ppt/IoT08-Wire.pptx
+++ b/ppt/IoT08-Wire.pptx
@@ -5,10 +5,10 @@
     <p:sldMasterId id="2147483653" r:id="rId1"/>
   </p:sldMasterIdLst>
   <p:notesMasterIdLst>
-    <p:notesMasterId r:id="rId15"/>
+    <p:notesMasterId r:id="rId16"/>
   </p:notesMasterIdLst>
   <p:handoutMasterIdLst>
-    <p:handoutMasterId r:id="rId16"/>
+    <p:handoutMasterId r:id="rId17"/>
   </p:handoutMasterIdLst>
   <p:sldIdLst>
     <p:sldId id="264" r:id="rId2"/>
@@ -21,9 +21,10 @@
     <p:sldId id="272" r:id="rId9"/>
     <p:sldId id="273" r:id="rId10"/>
     <p:sldId id="276" r:id="rId11"/>
-    <p:sldId id="274" r:id="rId12"/>
-    <p:sldId id="275" r:id="rId13"/>
-    <p:sldId id="265" r:id="rId14"/>
+    <p:sldId id="277" r:id="rId12"/>
+    <p:sldId id="274" r:id="rId13"/>
+    <p:sldId id="275" r:id="rId14"/>
+    <p:sldId id="265" r:id="rId15"/>
   </p:sldIdLst>
   <p:sldSz cx="9144000" cy="6858000" type="screen4x3"/>
   <p:notesSz cx="6648450" cy="9782175"/>
@@ -999,7 +1000,7 @@
               <a:pPr>
                 <a:defRPr/>
               </a:pPr>
-              <a:t>11</a:t>
+              <a:t>12</a:t>
             </a:fld>
             <a:endParaRPr lang="fr-FR"/>
           </a:p>
@@ -3983,6 +3984,128 @@
       </p:grpSpPr>
       <p:sp>
         <p:nvSpPr>
+          <p:cNvPr id="2" name="Titre 1">
+            <a:extLst>
+              <a:ext uri="{FF2B5EF4-FFF2-40B4-BE49-F238E27FC236}">
+                <a16:creationId xmlns:a16="http://schemas.microsoft.com/office/drawing/2014/main" id="{F18A1617-36E2-4F0E-9B50-97DECA22F2C1}"/>
+              </a:ext>
+            </a:extLst>
+          </p:cNvPr>
+          <p:cNvSpPr>
+            <a:spLocks noGrp="1"/>
+          </p:cNvSpPr>
+          <p:nvPr>
+            <p:ph type="title"/>
+          </p:nvPr>
+        </p:nvSpPr>
+        <p:spPr/>
+        <p:txBody>
+          <a:bodyPr/>
+          <a:lstStyle/>
+          <a:p>
+            <a:r>
+              <a:rPr lang="fr-FR" dirty="0" err="1"/>
+              <a:t>PySerial</a:t>
+            </a:r>
+            <a:endParaRPr lang="fr-FR" dirty="0"/>
+          </a:p>
+        </p:txBody>
+      </p:sp>
+      <p:sp>
+        <p:nvSpPr>
+          <p:cNvPr id="3" name="Espace réservé du contenu 2">
+            <a:extLst>
+              <a:ext uri="{FF2B5EF4-FFF2-40B4-BE49-F238E27FC236}">
+                <a16:creationId xmlns:a16="http://schemas.microsoft.com/office/drawing/2014/main" id="{80DF182B-D74A-4307-BF5C-788E10854615}"/>
+              </a:ext>
+            </a:extLst>
+          </p:cNvPr>
+          <p:cNvSpPr>
+            <a:spLocks noGrp="1"/>
+          </p:cNvSpPr>
+          <p:nvPr>
+            <p:ph idx="1"/>
+          </p:nvPr>
+        </p:nvSpPr>
+        <p:spPr/>
+        <p:txBody>
+          <a:bodyPr/>
+          <a:lstStyle/>
+          <a:p>
+            <a:r>
+              <a:rPr lang="fr-FR" dirty="0" err="1"/>
+              <a:t>PySerial</a:t>
+            </a:r>
+            <a:r>
+              <a:rPr lang="fr-FR" dirty="0"/>
+              <a:t> permet de programmer un port série en Python</a:t>
+            </a:r>
+          </a:p>
+          <a:p>
+            <a:pPr lvl="1"/>
+            <a:r>
+              <a:rPr lang="fr-FR" dirty="0" err="1"/>
+              <a:t>pip</a:t>
+            </a:r>
+            <a:r>
+              <a:rPr lang="fr-FR" dirty="0"/>
+              <a:t> </a:t>
+            </a:r>
+            <a:r>
+              <a:rPr lang="fr-FR" dirty="0" err="1"/>
+              <a:t>install</a:t>
+            </a:r>
+            <a:r>
+              <a:rPr lang="fr-FR" dirty="0"/>
+              <a:t> </a:t>
+            </a:r>
+            <a:r>
+              <a:rPr lang="fr-FR" dirty="0" err="1"/>
+              <a:t>pyserial</a:t>
+            </a:r>
+            <a:endParaRPr lang="fr-FR" dirty="0"/>
+          </a:p>
+          <a:p>
+            <a:pPr lvl="1"/>
+            <a:r>
+              <a:rPr lang="fr-FR" dirty="0"/>
+              <a:t>import serial</a:t>
+            </a:r>
+          </a:p>
+        </p:txBody>
+      </p:sp>
+    </p:spTree>
+    <p:extLst>
+      <p:ext uri="{BB962C8B-B14F-4D97-AF65-F5344CB8AC3E}">
+        <p14:creationId xmlns:p14="http://schemas.microsoft.com/office/powerpoint/2010/main" val="3753647615"/>
+      </p:ext>
+    </p:extLst>
+  </p:cSld>
+  <p:clrMapOvr>
+    <a:masterClrMapping/>
+  </p:clrMapOvr>
+</p:sld>
+</file>
+
+<file path=ppt/slides/slide12.xml><?xml version="1.0" encoding="utf-8"?>
+<p:sld xmlns:a="http://schemas.openxmlformats.org/drawingml/2006/main" xmlns:r="http://schemas.openxmlformats.org/officeDocument/2006/relationships" xmlns:p="http://schemas.openxmlformats.org/presentationml/2006/main">
+  <p:cSld>
+    <p:spTree>
+      <p:nvGrpSpPr>
+        <p:cNvPr id="1" name=""/>
+        <p:cNvGrpSpPr/>
+        <p:nvPr/>
+      </p:nvGrpSpPr>
+      <p:grpSpPr>
+        <a:xfrm>
+          <a:off x="0" y="0"/>
+          <a:ext cx="0" cy="0"/>
+          <a:chOff x="0" y="0"/>
+          <a:chExt cx="0" cy="0"/>
+        </a:xfrm>
+      </p:grpSpPr>
+      <p:sp>
+        <p:nvSpPr>
           <p:cNvPr id="2" name="Titre 1"/>
           <p:cNvSpPr>
             <a:spLocks noGrp="1"/>
@@ -4183,7 +4306,7 @@
 </p:sld>
 </file>
 
-<file path=ppt/slides/slide12.xml><?xml version="1.0" encoding="utf-8"?>
+<file path=ppt/slides/slide13.xml><?xml version="1.0" encoding="utf-8"?>
 <p:sld xmlns:a="http://schemas.openxmlformats.org/drawingml/2006/main" xmlns:r="http://schemas.openxmlformats.org/officeDocument/2006/relationships" xmlns:p="http://schemas.openxmlformats.org/presentationml/2006/main">
   <p:cSld>
     <p:spTree>
@@ -4319,7 +4442,7 @@
 </p:sld>
 </file>
 
-<file path=ppt/slides/slide13.xml><?xml version="1.0" encoding="utf-8"?>
+<file path=ppt/slides/slide14.xml><?xml version="1.0" encoding="utf-8"?>
 <p:sld xmlns:a="http://schemas.openxmlformats.org/drawingml/2006/main" xmlns:r="http://schemas.openxmlformats.org/officeDocument/2006/relationships" xmlns:p="http://schemas.openxmlformats.org/presentationml/2006/main">
   <p:cSld>
     <p:spTree>

--- a/ppt/IoT08-Wire.pptx
+++ b/ppt/IoT08-Wire.pptx
@@ -5897,15 +5897,22 @@
             <a:pPr lvl="1"/>
             <a:r>
               <a:rPr lang="fr-FR" dirty="0"/>
-              <a:t>Généralement /</a:t>
+              <a:t>Généralement /dev/ttyUSB0 ou ttyACM0</a:t>
+            </a:r>
+          </a:p>
+          <a:p>
+            <a:pPr lvl="1"/>
+            <a:r>
+              <a:rPr lang="fr-FR" dirty="0"/>
+              <a:t>ls /dev/</a:t>
             </a:r>
             <a:r>
               <a:rPr lang="fr-FR" dirty="0" err="1"/>
-              <a:t>dev</a:t>
-            </a:r>
-            <a:r>
-              <a:rPr lang="fr-FR" dirty="0"/>
-              <a:t>/ttyUSB0</a:t>
+              <a:t>tty</a:t>
+            </a:r>
+            <a:r>
+              <a:rPr lang="fr-FR" dirty="0"/>
+              <a:t>*</a:t>
             </a:r>
           </a:p>
           <a:p>
@@ -5950,7 +5957,7 @@
         </p:blipFill>
         <p:spPr>
           <a:xfrm>
-            <a:off x="3383280" y="4538901"/>
+            <a:off x="3384545" y="4941168"/>
             <a:ext cx="5760720" cy="2331085"/>
           </a:xfrm>
           <a:prstGeom prst="rect">

--- a/ppt/IoT08-Wire.pptx
+++ b/ppt/IoT08-Wire.pptx
@@ -4044,12 +4044,8 @@
           <a:p>
             <a:pPr lvl="1"/>
             <a:r>
-              <a:rPr lang="fr-FR" dirty="0" err="1"/>
-              <a:t>pip</a:t>
-            </a:r>
-            <a:r>
-              <a:rPr lang="fr-FR" dirty="0"/>
-              <a:t> </a:t>
+              <a:rPr lang="fr-FR" dirty="0"/>
+              <a:t>pip3 </a:t>
             </a:r>
             <a:r>
               <a:rPr lang="fr-FR" dirty="0" err="1"/>
@@ -4268,7 +4264,15 @@
             <a:pPr lvl="1"/>
             <a:r>
               <a:rPr lang="fr-FR" sz="2000" dirty="0"/>
-              <a:t>Ecrit une chaine transformées en octets</a:t>
+              <a:t>Ecrit une </a:t>
+            </a:r>
+            <a:r>
+              <a:rPr lang="fr-FR" sz="2000"/>
+              <a:t>chaine transformée </a:t>
+            </a:r>
+            <a:r>
+              <a:rPr lang="fr-FR" sz="2000" dirty="0"/>
+              <a:t>en octets</a:t>
             </a:r>
           </a:p>
           <a:p>
@@ -4372,7 +4376,7 @@
           <a:p>
             <a:r>
               <a:rPr lang="fr-FR" dirty="0"/>
-              <a:t>Il est possible de fixer les nom des </a:t>
+              <a:t>Il est possible de fixer les noms des </a:t>
             </a:r>
             <a:r>
               <a:rPr lang="fr-FR" dirty="0" err="1"/>
